--- a/Huaman_Espinoza_Vasquez_Algortimos_Ordenacion.pptx
+++ b/Huaman_Espinoza_Vasquez_Algortimos_Ordenacion.pptx
@@ -6,6 +6,13 @@
   </p:sldMasterIdLst>
   <p:sldIdLst>
     <p:sldId id="256" r:id="rId2"/>
+    <p:sldId id="257" r:id="rId3"/>
+    <p:sldId id="258" r:id="rId4"/>
+    <p:sldId id="259" r:id="rId5"/>
+    <p:sldId id="261" r:id="rId6"/>
+    <p:sldId id="262" r:id="rId7"/>
+    <p:sldId id="263" r:id="rId8"/>
+    <p:sldId id="260" r:id="rId9"/>
   </p:sldIdLst>
   <p:sldSz cx="12192000" cy="6858000"/>
   <p:notesSz cx="6858000" cy="9144000"/>
@@ -104,6 +111,11 @@
       </a:defRPr>
     </a:lvl9pPr>
   </p:defaultTextStyle>
+  <p:extLst>
+    <p:ext uri="{EFAFB233-063F-42B5-8137-9DF3F51BA10A}">
+      <p15:sldGuideLst xmlns:p15="http://schemas.microsoft.com/office/powerpoint/2012/main"/>
+    </p:ext>
+  </p:extLst>
 </p:presentation>
 </file>
 
@@ -256,7 +268,7 @@
           <a:p>
             <a:fld id="{39112DD3-C094-4F1C-95E0-7DEA8A5A3B45}" type="datetimeFigureOut">
               <a:rPr lang="es-PE" smtClean="0"/>
-              <a:t>16/08/2022</a:t>
+              <a:t>17/08/2022</a:t>
             </a:fld>
             <a:endParaRPr lang="es-PE"/>
           </a:p>
@@ -456,7 +468,7 @@
           <a:p>
             <a:fld id="{39112DD3-C094-4F1C-95E0-7DEA8A5A3B45}" type="datetimeFigureOut">
               <a:rPr lang="es-PE" smtClean="0"/>
-              <a:t>16/08/2022</a:t>
+              <a:t>17/08/2022</a:t>
             </a:fld>
             <a:endParaRPr lang="es-PE"/>
           </a:p>
@@ -666,7 +678,7 @@
           <a:p>
             <a:fld id="{39112DD3-C094-4F1C-95E0-7DEA8A5A3B45}" type="datetimeFigureOut">
               <a:rPr lang="es-PE" smtClean="0"/>
-              <a:t>16/08/2022</a:t>
+              <a:t>17/08/2022</a:t>
             </a:fld>
             <a:endParaRPr lang="es-PE"/>
           </a:p>
@@ -866,7 +878,7 @@
           <a:p>
             <a:fld id="{39112DD3-C094-4F1C-95E0-7DEA8A5A3B45}" type="datetimeFigureOut">
               <a:rPr lang="es-PE" smtClean="0"/>
-              <a:t>16/08/2022</a:t>
+              <a:t>17/08/2022</a:t>
             </a:fld>
             <a:endParaRPr lang="es-PE"/>
           </a:p>
@@ -1142,7 +1154,7 @@
           <a:p>
             <a:fld id="{39112DD3-C094-4F1C-95E0-7DEA8A5A3B45}" type="datetimeFigureOut">
               <a:rPr lang="es-PE" smtClean="0"/>
-              <a:t>16/08/2022</a:t>
+              <a:t>17/08/2022</a:t>
             </a:fld>
             <a:endParaRPr lang="es-PE"/>
           </a:p>
@@ -1410,7 +1422,7 @@
           <a:p>
             <a:fld id="{39112DD3-C094-4F1C-95E0-7DEA8A5A3B45}" type="datetimeFigureOut">
               <a:rPr lang="es-PE" smtClean="0"/>
-              <a:t>16/08/2022</a:t>
+              <a:t>17/08/2022</a:t>
             </a:fld>
             <a:endParaRPr lang="es-PE"/>
           </a:p>
@@ -1825,7 +1837,7 @@
           <a:p>
             <a:fld id="{39112DD3-C094-4F1C-95E0-7DEA8A5A3B45}" type="datetimeFigureOut">
               <a:rPr lang="es-PE" smtClean="0"/>
-              <a:t>16/08/2022</a:t>
+              <a:t>17/08/2022</a:t>
             </a:fld>
             <a:endParaRPr lang="es-PE"/>
           </a:p>
@@ -1967,7 +1979,7 @@
           <a:p>
             <a:fld id="{39112DD3-C094-4F1C-95E0-7DEA8A5A3B45}" type="datetimeFigureOut">
               <a:rPr lang="es-PE" smtClean="0"/>
-              <a:t>16/08/2022</a:t>
+              <a:t>17/08/2022</a:t>
             </a:fld>
             <a:endParaRPr lang="es-PE"/>
           </a:p>
@@ -2080,7 +2092,7 @@
           <a:p>
             <a:fld id="{39112DD3-C094-4F1C-95E0-7DEA8A5A3B45}" type="datetimeFigureOut">
               <a:rPr lang="es-PE" smtClean="0"/>
-              <a:t>16/08/2022</a:t>
+              <a:t>17/08/2022</a:t>
             </a:fld>
             <a:endParaRPr lang="es-PE"/>
           </a:p>
@@ -2393,7 +2405,7 @@
           <a:p>
             <a:fld id="{39112DD3-C094-4F1C-95E0-7DEA8A5A3B45}" type="datetimeFigureOut">
               <a:rPr lang="es-PE" smtClean="0"/>
-              <a:t>16/08/2022</a:t>
+              <a:t>17/08/2022</a:t>
             </a:fld>
             <a:endParaRPr lang="es-PE"/>
           </a:p>
@@ -2682,7 +2694,7 @@
           <a:p>
             <a:fld id="{39112DD3-C094-4F1C-95E0-7DEA8A5A3B45}" type="datetimeFigureOut">
               <a:rPr lang="es-PE" smtClean="0"/>
-              <a:t>16/08/2022</a:t>
+              <a:t>17/08/2022</a:t>
             </a:fld>
             <a:endParaRPr lang="es-PE"/>
           </a:p>
@@ -2759,9 +2771,12 @@
 <p:sldMaster xmlns:a="http://schemas.openxmlformats.org/drawingml/2006/main" xmlns:r="http://schemas.openxmlformats.org/officeDocument/2006/relationships" xmlns:p="http://schemas.openxmlformats.org/presentationml/2006/main">
   <p:cSld>
     <p:bg>
-      <p:bgRef idx="1001">
-        <a:schemeClr val="bg1"/>
-      </p:bgRef>
+      <p:bgPr>
+        <a:solidFill>
+          <a:srgbClr val="CFCFCF"/>
+        </a:solidFill>
+        <a:effectLst/>
+      </p:bgPr>
     </p:bg>
     <p:spTree>
       <p:nvGrpSpPr>
@@ -2925,7 +2940,7 @@
           <a:p>
             <a:fld id="{39112DD3-C094-4F1C-95E0-7DEA8A5A3B45}" type="datetimeFigureOut">
               <a:rPr lang="es-PE" smtClean="0"/>
-              <a:t>16/08/2022</a:t>
+              <a:t>17/08/2022</a:t>
             </a:fld>
             <a:endParaRPr lang="es-PE"/>
           </a:p>
@@ -3328,14 +3343,6 @@
 <file path=ppt/slides/slide1.xml><?xml version="1.0" encoding="utf-8"?>
 <p:sld xmlns:a="http://schemas.openxmlformats.org/drawingml/2006/main" xmlns:r="http://schemas.openxmlformats.org/officeDocument/2006/relationships" xmlns:p="http://schemas.openxmlformats.org/presentationml/2006/main">
   <p:cSld>
-    <p:bg>
-      <p:bgPr>
-        <a:solidFill>
-          <a:srgbClr val="CFCFCF"/>
-        </a:solidFill>
-        <a:effectLst/>
-      </p:bgPr>
-    </p:bg>
     <p:spTree>
       <p:nvGrpSpPr>
         <p:cNvPr id="1" name=""/>
@@ -5990,6 +5997,3433 @@
     <p:extLst>
       <p:ext uri="{BB962C8B-B14F-4D97-AF65-F5344CB8AC3E}">
         <p14:creationId xmlns:p14="http://schemas.microsoft.com/office/powerpoint/2010/main" val="1688991313"/>
+      </p:ext>
+    </p:extLst>
+  </p:cSld>
+  <p:clrMapOvr>
+    <a:masterClrMapping/>
+  </p:clrMapOvr>
+</p:sld>
+</file>
+
+<file path=ppt/slides/slide2.xml><?xml version="1.0" encoding="utf-8"?>
+<p:sld xmlns:a="http://schemas.openxmlformats.org/drawingml/2006/main" xmlns:r="http://schemas.openxmlformats.org/officeDocument/2006/relationships" xmlns:p="http://schemas.openxmlformats.org/presentationml/2006/main">
+  <p:cSld>
+    <p:spTree>
+      <p:nvGrpSpPr>
+        <p:cNvPr id="1" name=""/>
+        <p:cNvGrpSpPr/>
+        <p:nvPr/>
+      </p:nvGrpSpPr>
+      <p:grpSpPr>
+        <a:xfrm>
+          <a:off x="0" y="0"/>
+          <a:ext cx="0" cy="0"/>
+          <a:chOff x="0" y="0"/>
+          <a:chExt cx="0" cy="0"/>
+        </a:xfrm>
+      </p:grpSpPr>
+      <p:grpSp>
+        <p:nvGrpSpPr>
+          <p:cNvPr id="5" name="Grupo 4">
+            <a:extLst>
+              <a:ext uri="{FF2B5EF4-FFF2-40B4-BE49-F238E27FC236}">
+                <a16:creationId xmlns:a16="http://schemas.microsoft.com/office/drawing/2014/main" id="{29164C43-01B4-AE78-6EBE-CAC08B960BB6}"/>
+              </a:ext>
+            </a:extLst>
+          </p:cNvPr>
+          <p:cNvGrpSpPr/>
+          <p:nvPr/>
+        </p:nvGrpSpPr>
+        <p:grpSpPr>
+          <a:xfrm>
+            <a:off x="4193137" y="1223208"/>
+            <a:ext cx="3805725" cy="4411584"/>
+            <a:chOff x="3973003" y="1364271"/>
+            <a:chExt cx="3805725" cy="4411584"/>
+          </a:xfrm>
+        </p:grpSpPr>
+        <p:sp>
+          <p:nvSpPr>
+            <p:cNvPr id="4" name="CuadroTexto 3">
+              <a:extLst>
+                <a:ext uri="{FF2B5EF4-FFF2-40B4-BE49-F238E27FC236}">
+                  <a16:creationId xmlns:a16="http://schemas.microsoft.com/office/drawing/2014/main" id="{F6821693-2E5B-4929-1B13-6CDDD1D0D071}"/>
+                </a:ext>
+              </a:extLst>
+            </p:cNvPr>
+            <p:cNvSpPr txBox="1"/>
+            <p:nvPr/>
+          </p:nvSpPr>
+          <p:spPr>
+            <a:xfrm>
+              <a:off x="3973003" y="1364271"/>
+              <a:ext cx="3805725" cy="1107996"/>
+            </a:xfrm>
+            <a:prstGeom prst="rect">
+              <a:avLst/>
+            </a:prstGeom>
+            <a:solidFill>
+              <a:srgbClr val="CFCFCF"/>
+            </a:solidFill>
+          </p:spPr>
+          <p:txBody>
+            <a:bodyPr wrap="square" rtlCol="0">
+              <a:spAutoFit/>
+            </a:bodyPr>
+            <a:lstStyle/>
+            <a:p>
+              <a:pPr algn="ctr"/>
+              <a:r>
+                <a:rPr lang="es-ES" sz="6600" dirty="0">
+                  <a:latin typeface="Bahnschrift SemiBold Condensed" panose="020B0502040204020203" pitchFamily="34" charset="0"/>
+                </a:rPr>
+                <a:t>BUCKET SORT</a:t>
+              </a:r>
+              <a:endParaRPr lang="es-PE" sz="6600" dirty="0">
+                <a:latin typeface="Bahnschrift SemiBold Condensed" panose="020B0502040204020203" pitchFamily="34" charset="0"/>
+              </a:endParaRPr>
+            </a:p>
+          </p:txBody>
+        </p:sp>
+        <p:pic>
+          <p:nvPicPr>
+            <p:cNvPr id="1028" name="Picture 4" descr="Bucket 1 Illustration - Twinkl">
+              <a:extLst>
+                <a:ext uri="{FF2B5EF4-FFF2-40B4-BE49-F238E27FC236}">
+                  <a16:creationId xmlns:a16="http://schemas.microsoft.com/office/drawing/2014/main" id="{21F3F750-A210-398C-B5E9-EFC93B002F4B}"/>
+                </a:ext>
+              </a:extLst>
+            </p:cNvPr>
+            <p:cNvPicPr>
+              <a:picLocks noChangeAspect="1" noChangeArrowheads="1"/>
+            </p:cNvPicPr>
+            <p:nvPr/>
+          </p:nvPicPr>
+          <p:blipFill rotWithShape="1">
+            <a:blip r:embed="rId2">
+              <a:extLst>
+                <a:ext uri="{28A0092B-C50C-407E-A947-70E740481C1C}">
+                  <a14:useLocalDpi xmlns:a14="http://schemas.microsoft.com/office/drawing/2010/main" val="0"/>
+                </a:ext>
+              </a:extLst>
+            </a:blip>
+            <a:srcRect l="23192" r="24180"/>
+            <a:stretch/>
+          </p:blipFill>
+          <p:spPr bwMode="auto">
+            <a:xfrm>
+              <a:off x="4296831" y="2775480"/>
+              <a:ext cx="3158067" cy="3000375"/>
+            </a:xfrm>
+            <a:prstGeom prst="rect">
+              <a:avLst/>
+            </a:prstGeom>
+            <a:noFill/>
+            <a:extLst>
+              <a:ext uri="{909E8E84-426E-40DD-AFC4-6F175D3DCCD1}">
+                <a14:hiddenFill xmlns:a14="http://schemas.microsoft.com/office/drawing/2010/main">
+                  <a:solidFill>
+                    <a:srgbClr val="FFFFFF"/>
+                  </a:solidFill>
+                </a14:hiddenFill>
+              </a:ext>
+            </a:extLst>
+          </p:spPr>
+        </p:pic>
+      </p:grpSp>
+    </p:spTree>
+    <p:extLst>
+      <p:ext uri="{BB962C8B-B14F-4D97-AF65-F5344CB8AC3E}">
+        <p14:creationId xmlns:p14="http://schemas.microsoft.com/office/powerpoint/2010/main" val="1753955357"/>
+      </p:ext>
+    </p:extLst>
+  </p:cSld>
+  <p:clrMapOvr>
+    <a:masterClrMapping/>
+  </p:clrMapOvr>
+</p:sld>
+</file>
+
+<file path=ppt/slides/slide3.xml><?xml version="1.0" encoding="utf-8"?>
+<p:sld xmlns:a="http://schemas.openxmlformats.org/drawingml/2006/main" xmlns:r="http://schemas.openxmlformats.org/officeDocument/2006/relationships" xmlns:p="http://schemas.openxmlformats.org/presentationml/2006/main">
+  <p:cSld>
+    <p:spTree>
+      <p:nvGrpSpPr>
+        <p:cNvPr id="1" name=""/>
+        <p:cNvGrpSpPr/>
+        <p:nvPr/>
+      </p:nvGrpSpPr>
+      <p:grpSpPr>
+        <a:xfrm>
+          <a:off x="0" y="0"/>
+          <a:ext cx="0" cy="0"/>
+          <a:chOff x="0" y="0"/>
+          <a:chExt cx="0" cy="0"/>
+        </a:xfrm>
+      </p:grpSpPr>
+      <p:grpSp>
+        <p:nvGrpSpPr>
+          <p:cNvPr id="5" name="Grupo 4">
+            <a:extLst>
+              <a:ext uri="{FF2B5EF4-FFF2-40B4-BE49-F238E27FC236}">
+                <a16:creationId xmlns:a16="http://schemas.microsoft.com/office/drawing/2014/main" id="{89E0B047-EE92-6DEF-2BC1-151578849EA8}"/>
+              </a:ext>
+            </a:extLst>
+          </p:cNvPr>
+          <p:cNvGrpSpPr/>
+          <p:nvPr/>
+        </p:nvGrpSpPr>
+        <p:grpSpPr>
+          <a:xfrm>
+            <a:off x="3768614" y="2344107"/>
+            <a:ext cx="4654772" cy="2169785"/>
+            <a:chOff x="3768614" y="2137089"/>
+            <a:chExt cx="4654772" cy="2169785"/>
+          </a:xfrm>
+        </p:grpSpPr>
+        <p:sp>
+          <p:nvSpPr>
+            <p:cNvPr id="4" name="CuadroTexto 3">
+              <a:extLst>
+                <a:ext uri="{FF2B5EF4-FFF2-40B4-BE49-F238E27FC236}">
+                  <a16:creationId xmlns:a16="http://schemas.microsoft.com/office/drawing/2014/main" id="{81822FF4-45DF-259B-A574-198744C7BB42}"/>
+                </a:ext>
+              </a:extLst>
+            </p:cNvPr>
+            <p:cNvSpPr txBox="1"/>
+            <p:nvPr/>
+          </p:nvSpPr>
+          <p:spPr>
+            <a:xfrm>
+              <a:off x="3768614" y="2137089"/>
+              <a:ext cx="4654772" cy="1107996"/>
+            </a:xfrm>
+            <a:prstGeom prst="rect">
+              <a:avLst/>
+            </a:prstGeom>
+            <a:solidFill>
+              <a:srgbClr val="CFCFCF"/>
+            </a:solidFill>
+          </p:spPr>
+          <p:txBody>
+            <a:bodyPr wrap="square" rtlCol="0">
+              <a:spAutoFit/>
+            </a:bodyPr>
+            <a:lstStyle/>
+            <a:p>
+              <a:pPr algn="ctr"/>
+              <a:r>
+                <a:rPr lang="es-ES" sz="6600" dirty="0">
+                  <a:latin typeface="Bahnschrift SemiBold Condensed" panose="020B0502040204020203" pitchFamily="34" charset="0"/>
+                </a:rPr>
+                <a:t>INSERTION SORT</a:t>
+              </a:r>
+              <a:endParaRPr lang="es-PE" sz="6600" dirty="0">
+                <a:latin typeface="Bahnschrift SemiBold Condensed" panose="020B0502040204020203" pitchFamily="34" charset="0"/>
+              </a:endParaRPr>
+            </a:p>
+          </p:txBody>
+        </p:sp>
+        <p:pic>
+          <p:nvPicPr>
+            <p:cNvPr id="2054" name="Picture 6" descr="Insertion Sort · AP Computer Science in Java">
+              <a:extLst>
+                <a:ext uri="{FF2B5EF4-FFF2-40B4-BE49-F238E27FC236}">
+                  <a16:creationId xmlns:a16="http://schemas.microsoft.com/office/drawing/2014/main" id="{0EBF9F96-E4B0-80B2-BA56-A00B07F2F761}"/>
+                </a:ext>
+              </a:extLst>
+            </p:cNvPr>
+            <p:cNvPicPr>
+              <a:picLocks noChangeAspect="1" noChangeArrowheads="1"/>
+            </p:cNvPicPr>
+            <p:nvPr/>
+          </p:nvPicPr>
+          <p:blipFill rotWithShape="1">
+            <a:blip r:embed="rId2">
+              <a:extLst>
+                <a:ext uri="{28A0092B-C50C-407E-A947-70E740481C1C}">
+                  <a14:useLocalDpi xmlns:a14="http://schemas.microsoft.com/office/drawing/2010/main" val="0"/>
+                </a:ext>
+              </a:extLst>
+            </a:blip>
+            <a:srcRect l="7394" t="35029" r="9953" b="18889"/>
+            <a:stretch/>
+          </p:blipFill>
+          <p:spPr bwMode="auto">
+            <a:xfrm>
+              <a:off x="4127862" y="3429000"/>
+              <a:ext cx="3936275" cy="877874"/>
+            </a:xfrm>
+            <a:prstGeom prst="rect">
+              <a:avLst/>
+            </a:prstGeom>
+            <a:noFill/>
+            <a:extLst>
+              <a:ext uri="{909E8E84-426E-40DD-AFC4-6F175D3DCCD1}">
+                <a14:hiddenFill xmlns:a14="http://schemas.microsoft.com/office/drawing/2010/main">
+                  <a:solidFill>
+                    <a:srgbClr val="FFFFFF"/>
+                  </a:solidFill>
+                </a14:hiddenFill>
+              </a:ext>
+            </a:extLst>
+          </p:spPr>
+        </p:pic>
+      </p:grpSp>
+    </p:spTree>
+    <p:extLst>
+      <p:ext uri="{BB962C8B-B14F-4D97-AF65-F5344CB8AC3E}">
+        <p14:creationId xmlns:p14="http://schemas.microsoft.com/office/powerpoint/2010/main" val="2293722867"/>
+      </p:ext>
+    </p:extLst>
+  </p:cSld>
+  <p:clrMapOvr>
+    <a:masterClrMapping/>
+  </p:clrMapOvr>
+</p:sld>
+</file>
+
+<file path=ppt/slides/slide4.xml><?xml version="1.0" encoding="utf-8"?>
+<p:sld xmlns:a="http://schemas.openxmlformats.org/drawingml/2006/main" xmlns:r="http://schemas.openxmlformats.org/officeDocument/2006/relationships" xmlns:p="http://schemas.openxmlformats.org/presentationml/2006/main">
+  <p:cSld>
+    <p:spTree>
+      <p:nvGrpSpPr>
+        <p:cNvPr id="1" name=""/>
+        <p:cNvGrpSpPr/>
+        <p:nvPr/>
+      </p:nvGrpSpPr>
+      <p:grpSpPr>
+        <a:xfrm>
+          <a:off x="0" y="0"/>
+          <a:ext cx="0" cy="0"/>
+          <a:chOff x="0" y="0"/>
+          <a:chExt cx="0" cy="0"/>
+        </a:xfrm>
+      </p:grpSpPr>
+      <p:sp>
+        <p:nvSpPr>
+          <p:cNvPr id="5" name="CuadroTexto 4">
+            <a:extLst>
+              <a:ext uri="{FF2B5EF4-FFF2-40B4-BE49-F238E27FC236}">
+                <a16:creationId xmlns:a16="http://schemas.microsoft.com/office/drawing/2014/main" id="{2A58297B-F51B-B6E2-BCD2-148E17BF3703}"/>
+              </a:ext>
+            </a:extLst>
+          </p:cNvPr>
+          <p:cNvSpPr txBox="1"/>
+          <p:nvPr/>
+        </p:nvSpPr>
+        <p:spPr>
+          <a:xfrm>
+            <a:off x="4067525" y="1640520"/>
+            <a:ext cx="4056949" cy="1107996"/>
+          </a:xfrm>
+          <a:prstGeom prst="rect">
+            <a:avLst/>
+          </a:prstGeom>
+          <a:solidFill>
+            <a:srgbClr val="CFCFCF"/>
+          </a:solidFill>
+        </p:spPr>
+        <p:txBody>
+          <a:bodyPr wrap="square" rtlCol="0">
+            <a:spAutoFit/>
+          </a:bodyPr>
+          <a:lstStyle/>
+          <a:p>
+            <a:pPr algn="ctr"/>
+            <a:r>
+              <a:rPr lang="es-ES" sz="6600" dirty="0">
+                <a:latin typeface="Bahnschrift SemiBold Condensed" panose="020B0502040204020203" pitchFamily="34" charset="0"/>
+              </a:rPr>
+              <a:t>PROPIEDADES</a:t>
+            </a:r>
+            <a:endParaRPr lang="es-PE" sz="6600" dirty="0">
+              <a:latin typeface="Bahnschrift SemiBold Condensed" panose="020B0502040204020203" pitchFamily="34" charset="0"/>
+            </a:endParaRPr>
+          </a:p>
+        </p:txBody>
+      </p:sp>
+      <p:pic>
+        <p:nvPicPr>
+          <p:cNvPr id="3074" name="Picture 2" descr="Curso de Complejidad Algorítmica con JavaScript - Platzi">
+            <a:extLst>
+              <a:ext uri="{FF2B5EF4-FFF2-40B4-BE49-F238E27FC236}">
+                <a16:creationId xmlns:a16="http://schemas.microsoft.com/office/drawing/2014/main" id="{5DD0EEA0-D637-0C4C-F5A6-71AC7652E3A2}"/>
+              </a:ext>
+            </a:extLst>
+          </p:cNvPr>
+          <p:cNvPicPr>
+            <a:picLocks noChangeAspect="1" noChangeArrowheads="1"/>
+          </p:cNvPicPr>
+          <p:nvPr/>
+        </p:nvPicPr>
+        <p:blipFill>
+          <a:blip r:embed="rId2">
+            <a:extLst>
+              <a:ext uri="{28A0092B-C50C-407E-A947-70E740481C1C}">
+                <a14:useLocalDpi xmlns:a14="http://schemas.microsoft.com/office/drawing/2010/main" val="0"/>
+              </a:ext>
+            </a:extLst>
+          </a:blip>
+          <a:srcRect/>
+          <a:stretch>
+            <a:fillRect/>
+          </a:stretch>
+        </p:blipFill>
+        <p:spPr bwMode="auto">
+          <a:xfrm>
+            <a:off x="4764548" y="2819227"/>
+            <a:ext cx="2662903" cy="2662903"/>
+          </a:xfrm>
+          <a:prstGeom prst="rect">
+            <a:avLst/>
+          </a:prstGeom>
+          <a:noFill/>
+          <a:extLst>
+            <a:ext uri="{909E8E84-426E-40DD-AFC4-6F175D3DCCD1}">
+              <a14:hiddenFill xmlns:a14="http://schemas.microsoft.com/office/drawing/2010/main">
+                <a:solidFill>
+                  <a:srgbClr val="FFFFFF"/>
+                </a:solidFill>
+              </a14:hiddenFill>
+            </a:ext>
+          </a:extLst>
+        </p:spPr>
+      </p:pic>
+    </p:spTree>
+    <p:extLst>
+      <p:ext uri="{BB962C8B-B14F-4D97-AF65-F5344CB8AC3E}">
+        <p14:creationId xmlns:p14="http://schemas.microsoft.com/office/powerpoint/2010/main" val="2057389980"/>
+      </p:ext>
+    </p:extLst>
+  </p:cSld>
+  <p:clrMapOvr>
+    <a:masterClrMapping/>
+  </p:clrMapOvr>
+</p:sld>
+</file>
+
+<file path=ppt/slides/slide5.xml><?xml version="1.0" encoding="utf-8"?>
+<p:sld xmlns:a="http://schemas.openxmlformats.org/drawingml/2006/main" xmlns:r="http://schemas.openxmlformats.org/officeDocument/2006/relationships" xmlns:p="http://schemas.openxmlformats.org/presentationml/2006/main">
+  <p:cSld>
+    <p:spTree>
+      <p:nvGrpSpPr>
+        <p:cNvPr id="1" name=""/>
+        <p:cNvGrpSpPr/>
+        <p:nvPr/>
+      </p:nvGrpSpPr>
+      <p:grpSpPr>
+        <a:xfrm>
+          <a:off x="0" y="0"/>
+          <a:ext cx="0" cy="0"/>
+          <a:chOff x="0" y="0"/>
+          <a:chExt cx="0" cy="0"/>
+        </a:xfrm>
+      </p:grpSpPr>
+      <p:sp>
+        <p:nvSpPr>
+          <p:cNvPr id="5" name="CuadroTexto 4">
+            <a:extLst>
+              <a:ext uri="{FF2B5EF4-FFF2-40B4-BE49-F238E27FC236}">
+                <a16:creationId xmlns:a16="http://schemas.microsoft.com/office/drawing/2014/main" id="{D03D7427-6514-88C4-1F6D-DB96C42C63EA}"/>
+              </a:ext>
+            </a:extLst>
+          </p:cNvPr>
+          <p:cNvSpPr txBox="1"/>
+          <p:nvPr/>
+        </p:nvSpPr>
+        <p:spPr>
+          <a:xfrm>
+            <a:off x="4845160" y="1980762"/>
+            <a:ext cx="2419535" cy="1107996"/>
+          </a:xfrm>
+          <a:prstGeom prst="rect">
+            <a:avLst/>
+          </a:prstGeom>
+          <a:solidFill>
+            <a:srgbClr val="CFCFCF"/>
+          </a:solidFill>
+        </p:spPr>
+        <p:txBody>
+          <a:bodyPr wrap="square" rtlCol="0">
+            <a:spAutoFit/>
+          </a:bodyPr>
+          <a:lstStyle/>
+          <a:p>
+            <a:pPr algn="ctr"/>
+            <a:r>
+              <a:rPr lang="es-ES" sz="6600" dirty="0">
+                <a:latin typeface="Bahnschrift SemiBold Condensed" panose="020B0502040204020203" pitchFamily="34" charset="0"/>
+              </a:rPr>
+              <a:t>C</a:t>
+            </a:r>
+            <a:r>
+              <a:rPr lang="es-PE" sz="6600" dirty="0">
+                <a:latin typeface="Bahnschrift SemiBold Condensed" panose="020B0502040204020203" pitchFamily="34" charset="0"/>
+              </a:rPr>
+              <a:t>ÓDIGO</a:t>
+            </a:r>
+          </a:p>
+        </p:txBody>
+      </p:sp>
+      <p:pic>
+        <p:nvPicPr>
+          <p:cNvPr id="4100" name="Picture 4" descr="Símbolo de programación de código - Iconos gratis de web">
+            <a:extLst>
+              <a:ext uri="{FF2B5EF4-FFF2-40B4-BE49-F238E27FC236}">
+                <a16:creationId xmlns:a16="http://schemas.microsoft.com/office/drawing/2014/main" id="{5FA635DF-D1D9-3101-D252-4E74800F7ACA}"/>
+              </a:ext>
+            </a:extLst>
+          </p:cNvPr>
+          <p:cNvPicPr>
+            <a:picLocks noChangeAspect="1" noChangeArrowheads="1"/>
+          </p:cNvPicPr>
+          <p:nvPr/>
+        </p:nvPicPr>
+        <p:blipFill>
+          <a:blip r:embed="rId2">
+            <a:extLst>
+              <a:ext uri="{28A0092B-C50C-407E-A947-70E740481C1C}">
+                <a14:useLocalDpi xmlns:a14="http://schemas.microsoft.com/office/drawing/2010/main" val="0"/>
+              </a:ext>
+            </a:extLst>
+          </a:blip>
+          <a:srcRect/>
+          <a:stretch>
+            <a:fillRect/>
+          </a:stretch>
+        </p:blipFill>
+        <p:spPr bwMode="auto">
+          <a:xfrm>
+            <a:off x="4927304" y="2955850"/>
+            <a:ext cx="2337391" cy="2337391"/>
+          </a:xfrm>
+          <a:prstGeom prst="rect">
+            <a:avLst/>
+          </a:prstGeom>
+          <a:noFill/>
+          <a:extLst>
+            <a:ext uri="{909E8E84-426E-40DD-AFC4-6F175D3DCCD1}">
+              <a14:hiddenFill xmlns:a14="http://schemas.microsoft.com/office/drawing/2010/main">
+                <a:solidFill>
+                  <a:srgbClr val="FFFFFF"/>
+                </a:solidFill>
+              </a14:hiddenFill>
+            </a:ext>
+          </a:extLst>
+        </p:spPr>
+      </p:pic>
+    </p:spTree>
+    <p:extLst>
+      <p:ext uri="{BB962C8B-B14F-4D97-AF65-F5344CB8AC3E}">
+        <p14:creationId xmlns:p14="http://schemas.microsoft.com/office/powerpoint/2010/main" val="1240139433"/>
+      </p:ext>
+    </p:extLst>
+  </p:cSld>
+  <p:clrMapOvr>
+    <a:masterClrMapping/>
+  </p:clrMapOvr>
+</p:sld>
+</file>
+
+<file path=ppt/slides/slide6.xml><?xml version="1.0" encoding="utf-8"?>
+<p:sld xmlns:a="http://schemas.openxmlformats.org/drawingml/2006/main" xmlns:r="http://schemas.openxmlformats.org/officeDocument/2006/relationships" xmlns:p="http://schemas.openxmlformats.org/presentationml/2006/main">
+  <p:cSld>
+    <p:spTree>
+      <p:nvGrpSpPr>
+        <p:cNvPr id="1" name=""/>
+        <p:cNvGrpSpPr/>
+        <p:nvPr/>
+      </p:nvGrpSpPr>
+      <p:grpSpPr>
+        <a:xfrm>
+          <a:off x="0" y="0"/>
+          <a:ext cx="0" cy="0"/>
+          <a:chOff x="0" y="0"/>
+          <a:chExt cx="0" cy="0"/>
+        </a:xfrm>
+      </p:grpSpPr>
+      <p:sp>
+        <p:nvSpPr>
+          <p:cNvPr id="4" name="CuadroTexto 3">
+            <a:extLst>
+              <a:ext uri="{FF2B5EF4-FFF2-40B4-BE49-F238E27FC236}">
+                <a16:creationId xmlns:a16="http://schemas.microsoft.com/office/drawing/2014/main" id="{4E1FCF51-A545-AB13-FECE-07784BBEEE3C}"/>
+              </a:ext>
+            </a:extLst>
+          </p:cNvPr>
+          <p:cNvSpPr txBox="1"/>
+          <p:nvPr/>
+        </p:nvSpPr>
+        <p:spPr>
+          <a:xfrm>
+            <a:off x="4568583" y="1757478"/>
+            <a:ext cx="3054831" cy="1107996"/>
+          </a:xfrm>
+          <a:prstGeom prst="rect">
+            <a:avLst/>
+          </a:prstGeom>
+          <a:solidFill>
+            <a:srgbClr val="CFCFCF"/>
+          </a:solidFill>
+        </p:spPr>
+        <p:txBody>
+          <a:bodyPr wrap="square" rtlCol="0">
+            <a:spAutoFit/>
+          </a:bodyPr>
+          <a:lstStyle/>
+          <a:p>
+            <a:pPr algn="ctr"/>
+            <a:r>
+              <a:rPr lang="es-ES" sz="6600" dirty="0">
+                <a:latin typeface="Bahnschrift SemiBold Condensed" panose="020B0502040204020203" pitchFamily="34" charset="0"/>
+              </a:rPr>
+              <a:t>GRÁFICAS</a:t>
+            </a:r>
+            <a:endParaRPr lang="es-PE" sz="6600" dirty="0">
+              <a:latin typeface="Bahnschrift SemiBold Condensed" panose="020B0502040204020203" pitchFamily="34" charset="0"/>
+            </a:endParaRPr>
+          </a:p>
+        </p:txBody>
+      </p:sp>
+      <p:pic>
+        <p:nvPicPr>
+          <p:cNvPr id="5122" name="Picture 2" descr="Vector Transparente PNG Y SVG De Barras Gráficas Planas">
+            <a:extLst>
+              <a:ext uri="{FF2B5EF4-FFF2-40B4-BE49-F238E27FC236}">
+                <a16:creationId xmlns:a16="http://schemas.microsoft.com/office/drawing/2014/main" id="{02400126-F41F-DED6-88E9-EDD118D0F3BA}"/>
+              </a:ext>
+            </a:extLst>
+          </p:cNvPr>
+          <p:cNvPicPr>
+            <a:picLocks noChangeAspect="1" noChangeArrowheads="1"/>
+          </p:cNvPicPr>
+          <p:nvPr/>
+        </p:nvPicPr>
+        <p:blipFill>
+          <a:blip r:embed="rId2">
+            <a:extLst>
+              <a:ext uri="{28A0092B-C50C-407E-A947-70E740481C1C}">
+                <a14:useLocalDpi xmlns:a14="http://schemas.microsoft.com/office/drawing/2010/main" val="0"/>
+              </a:ext>
+            </a:extLst>
+          </a:blip>
+          <a:srcRect/>
+          <a:stretch>
+            <a:fillRect/>
+          </a:stretch>
+        </p:blipFill>
+        <p:spPr bwMode="auto">
+          <a:xfrm>
+            <a:off x="4789967" y="2914654"/>
+            <a:ext cx="2612065" cy="2612065"/>
+          </a:xfrm>
+          <a:prstGeom prst="rect">
+            <a:avLst/>
+          </a:prstGeom>
+          <a:noFill/>
+          <a:extLst>
+            <a:ext uri="{909E8E84-426E-40DD-AFC4-6F175D3DCCD1}">
+              <a14:hiddenFill xmlns:a14="http://schemas.microsoft.com/office/drawing/2010/main">
+                <a:solidFill>
+                  <a:srgbClr val="FFFFFF"/>
+                </a:solidFill>
+              </a14:hiddenFill>
+            </a:ext>
+          </a:extLst>
+        </p:spPr>
+      </p:pic>
+    </p:spTree>
+    <p:extLst>
+      <p:ext uri="{BB962C8B-B14F-4D97-AF65-F5344CB8AC3E}">
+        <p14:creationId xmlns:p14="http://schemas.microsoft.com/office/powerpoint/2010/main" val="3224926816"/>
+      </p:ext>
+    </p:extLst>
+  </p:cSld>
+  <p:clrMapOvr>
+    <a:masterClrMapping/>
+  </p:clrMapOvr>
+</p:sld>
+</file>
+
+<file path=ppt/slides/slide7.xml><?xml version="1.0" encoding="utf-8"?>
+<p:sld xmlns:a="http://schemas.openxmlformats.org/drawingml/2006/main" xmlns:r="http://schemas.openxmlformats.org/officeDocument/2006/relationships" xmlns:p="http://schemas.openxmlformats.org/presentationml/2006/main">
+  <p:cSld>
+    <p:spTree>
+      <p:nvGrpSpPr>
+        <p:cNvPr id="1" name=""/>
+        <p:cNvGrpSpPr/>
+        <p:nvPr/>
+      </p:nvGrpSpPr>
+      <p:grpSpPr>
+        <a:xfrm>
+          <a:off x="0" y="0"/>
+          <a:ext cx="0" cy="0"/>
+          <a:chOff x="0" y="0"/>
+          <a:chExt cx="0" cy="0"/>
+        </a:xfrm>
+      </p:grpSpPr>
+      <p:sp>
+        <p:nvSpPr>
+          <p:cNvPr id="4" name="CuadroTexto 3">
+            <a:extLst>
+              <a:ext uri="{FF2B5EF4-FFF2-40B4-BE49-F238E27FC236}">
+                <a16:creationId xmlns:a16="http://schemas.microsoft.com/office/drawing/2014/main" id="{21581FFF-AA69-C80B-48B1-B8AAD732681D}"/>
+              </a:ext>
+            </a:extLst>
+          </p:cNvPr>
+          <p:cNvSpPr txBox="1"/>
+          <p:nvPr/>
+        </p:nvSpPr>
+        <p:spPr>
+          <a:xfrm>
+            <a:off x="4095370" y="1778743"/>
+            <a:ext cx="4001259" cy="1107996"/>
+          </a:xfrm>
+          <a:prstGeom prst="rect">
+            <a:avLst/>
+          </a:prstGeom>
+          <a:solidFill>
+            <a:srgbClr val="CFCFCF"/>
+          </a:solidFill>
+        </p:spPr>
+        <p:txBody>
+          <a:bodyPr wrap="square" rtlCol="0">
+            <a:spAutoFit/>
+          </a:bodyPr>
+          <a:lstStyle/>
+          <a:p>
+            <a:pPr algn="ctr"/>
+            <a:r>
+              <a:rPr lang="es-ES" sz="6600" dirty="0">
+                <a:latin typeface="Bahnschrift SemiBold Condensed" panose="020B0502040204020203" pitchFamily="34" charset="0"/>
+              </a:rPr>
+              <a:t>BIBLIOGRAFÍA</a:t>
+            </a:r>
+            <a:endParaRPr lang="es-PE" sz="6600" dirty="0">
+              <a:latin typeface="Bahnschrift SemiBold Condensed" panose="020B0502040204020203" pitchFamily="34" charset="0"/>
+            </a:endParaRPr>
+          </a:p>
+        </p:txBody>
+      </p:sp>
+      <p:pic>
+        <p:nvPicPr>
+          <p:cNvPr id="6146" name="Picture 2" descr="✓ Bibliografía APA | Te ayudamos con tu proyecto, TFG o TFM">
+            <a:extLst>
+              <a:ext uri="{FF2B5EF4-FFF2-40B4-BE49-F238E27FC236}">
+                <a16:creationId xmlns:a16="http://schemas.microsoft.com/office/drawing/2014/main" id="{179D317B-98D1-B9ED-390D-FFF2EDB4C1BE}"/>
+              </a:ext>
+            </a:extLst>
+          </p:cNvPr>
+          <p:cNvPicPr>
+            <a:picLocks noChangeAspect="1" noChangeArrowheads="1"/>
+          </p:cNvPicPr>
+          <p:nvPr/>
+        </p:nvPicPr>
+        <p:blipFill>
+          <a:blip r:embed="rId2">
+            <a:extLst>
+              <a:ext uri="{28A0092B-C50C-407E-A947-70E740481C1C}">
+                <a14:useLocalDpi xmlns:a14="http://schemas.microsoft.com/office/drawing/2010/main" val="0"/>
+              </a:ext>
+            </a:extLst>
+          </a:blip>
+          <a:srcRect/>
+          <a:stretch>
+            <a:fillRect/>
+          </a:stretch>
+        </p:blipFill>
+        <p:spPr bwMode="auto">
+          <a:xfrm>
+            <a:off x="4904267" y="3159193"/>
+            <a:ext cx="2383465" cy="2383465"/>
+          </a:xfrm>
+          <a:prstGeom prst="rect">
+            <a:avLst/>
+          </a:prstGeom>
+          <a:noFill/>
+          <a:extLst>
+            <a:ext uri="{909E8E84-426E-40DD-AFC4-6F175D3DCCD1}">
+              <a14:hiddenFill xmlns:a14="http://schemas.microsoft.com/office/drawing/2010/main">
+                <a:solidFill>
+                  <a:srgbClr val="FFFFFF"/>
+                </a:solidFill>
+              </a14:hiddenFill>
+            </a:ext>
+          </a:extLst>
+        </p:spPr>
+      </p:pic>
+    </p:spTree>
+    <p:extLst>
+      <p:ext uri="{BB962C8B-B14F-4D97-AF65-F5344CB8AC3E}">
+        <p14:creationId xmlns:p14="http://schemas.microsoft.com/office/powerpoint/2010/main" val="1141981192"/>
+      </p:ext>
+    </p:extLst>
+  </p:cSld>
+  <p:clrMapOvr>
+    <a:masterClrMapping/>
+  </p:clrMapOvr>
+</p:sld>
+</file>
+
+<file path=ppt/slides/slide8.xml><?xml version="1.0" encoding="utf-8"?>
+<p:sld xmlns:a="http://schemas.openxmlformats.org/drawingml/2006/main" xmlns:r="http://schemas.openxmlformats.org/officeDocument/2006/relationships" xmlns:p="http://schemas.openxmlformats.org/presentationml/2006/main">
+  <p:cSld>
+    <p:spTree>
+      <p:nvGrpSpPr>
+        <p:cNvPr id="1" name=""/>
+        <p:cNvGrpSpPr/>
+        <p:nvPr/>
+      </p:nvGrpSpPr>
+      <p:grpSpPr>
+        <a:xfrm>
+          <a:off x="0" y="0"/>
+          <a:ext cx="0" cy="0"/>
+          <a:chOff x="0" y="0"/>
+          <a:chExt cx="0" cy="0"/>
+        </a:xfrm>
+      </p:grpSpPr>
+      <p:sp>
+        <p:nvSpPr>
+          <p:cNvPr id="16" name="Rectángulo: esquinas redondeadas 15">
+            <a:extLst>
+              <a:ext uri="{FF2B5EF4-FFF2-40B4-BE49-F238E27FC236}">
+                <a16:creationId xmlns:a16="http://schemas.microsoft.com/office/drawing/2014/main" id="{BB5211E1-DFD7-2C1E-B3BB-190358569B2C}"/>
+              </a:ext>
+            </a:extLst>
+          </p:cNvPr>
+          <p:cNvSpPr/>
+          <p:nvPr/>
+        </p:nvSpPr>
+        <p:spPr>
+          <a:xfrm>
+            <a:off x="1587793" y="290622"/>
+            <a:ext cx="8803757" cy="960474"/>
+          </a:xfrm>
+          <a:prstGeom prst="roundRect">
+            <a:avLst/>
+          </a:prstGeom>
+          <a:ln>
+            <a:solidFill>
+              <a:schemeClr val="tx1"/>
+            </a:solidFill>
+          </a:ln>
+        </p:spPr>
+        <p:style>
+          <a:lnRef idx="2">
+            <a:schemeClr val="accent3">
+              <a:shade val="50000"/>
+            </a:schemeClr>
+          </a:lnRef>
+          <a:fillRef idx="1">
+            <a:schemeClr val="accent3"/>
+          </a:fillRef>
+          <a:effectRef idx="0">
+            <a:schemeClr val="accent3"/>
+          </a:effectRef>
+          <a:fontRef idx="minor">
+            <a:schemeClr val="lt1"/>
+          </a:fontRef>
+        </p:style>
+        <p:txBody>
+          <a:bodyPr rtlCol="0" anchor="ctr"/>
+          <a:lstStyle/>
+          <a:p>
+            <a:pPr algn="ctr"/>
+            <a:endParaRPr lang="es-PE">
+              <a:latin typeface="Algerian" panose="04020705040A02060702" pitchFamily="82" charset="0"/>
+            </a:endParaRPr>
+          </a:p>
+        </p:txBody>
+      </p:sp>
+      <p:sp>
+        <p:nvSpPr>
+          <p:cNvPr id="17" name="Rectángulo: esquinas redondeadas 16">
+            <a:extLst>
+              <a:ext uri="{FF2B5EF4-FFF2-40B4-BE49-F238E27FC236}">
+                <a16:creationId xmlns:a16="http://schemas.microsoft.com/office/drawing/2014/main" id="{B96A2018-2C37-9B33-7E34-D699308F77F5}"/>
+              </a:ext>
+            </a:extLst>
+          </p:cNvPr>
+          <p:cNvSpPr/>
+          <p:nvPr/>
+        </p:nvSpPr>
+        <p:spPr>
+          <a:xfrm>
+            <a:off x="1587793" y="5606904"/>
+            <a:ext cx="8803757" cy="960474"/>
+          </a:xfrm>
+          <a:prstGeom prst="roundRect">
+            <a:avLst/>
+          </a:prstGeom>
+          <a:ln>
+            <a:solidFill>
+              <a:schemeClr val="tx1"/>
+            </a:solidFill>
+          </a:ln>
+        </p:spPr>
+        <p:style>
+          <a:lnRef idx="2">
+            <a:schemeClr val="accent3">
+              <a:shade val="50000"/>
+            </a:schemeClr>
+          </a:lnRef>
+          <a:fillRef idx="1">
+            <a:schemeClr val="accent3"/>
+          </a:fillRef>
+          <a:effectRef idx="0">
+            <a:schemeClr val="accent3"/>
+          </a:effectRef>
+          <a:fontRef idx="minor">
+            <a:schemeClr val="lt1"/>
+          </a:fontRef>
+        </p:style>
+        <p:txBody>
+          <a:bodyPr rtlCol="0" anchor="ctr"/>
+          <a:lstStyle/>
+          <a:p>
+            <a:pPr algn="ctr"/>
+            <a:endParaRPr lang="es-PE">
+              <a:latin typeface="Algerian" panose="04020705040A02060702" pitchFamily="82" charset="0"/>
+            </a:endParaRPr>
+          </a:p>
+        </p:txBody>
+      </p:sp>
+      <p:sp>
+        <p:nvSpPr>
+          <p:cNvPr id="19" name="Diagrama de flujo: operación manual 18">
+            <a:extLst>
+              <a:ext uri="{FF2B5EF4-FFF2-40B4-BE49-F238E27FC236}">
+                <a16:creationId xmlns:a16="http://schemas.microsoft.com/office/drawing/2014/main" id="{C8701069-A279-A113-C8EC-EB990B59807D}"/>
+              </a:ext>
+            </a:extLst>
+          </p:cNvPr>
+          <p:cNvSpPr/>
+          <p:nvPr/>
+        </p:nvSpPr>
+        <p:spPr>
+          <a:xfrm>
+            <a:off x="2038065" y="2841545"/>
+            <a:ext cx="1148316" cy="1164265"/>
+          </a:xfrm>
+          <a:prstGeom prst="flowChartManualOperation">
+            <a:avLst/>
+          </a:prstGeom>
+          <a:solidFill>
+            <a:schemeClr val="bg1">
+              <a:lumMod val="75000"/>
+            </a:schemeClr>
+          </a:solidFill>
+          <a:ln>
+            <a:solidFill>
+              <a:schemeClr val="tx1"/>
+            </a:solidFill>
+          </a:ln>
+        </p:spPr>
+        <p:style>
+          <a:lnRef idx="2">
+            <a:schemeClr val="accent1">
+              <a:shade val="50000"/>
+            </a:schemeClr>
+          </a:lnRef>
+          <a:fillRef idx="1">
+            <a:schemeClr val="accent1"/>
+          </a:fillRef>
+          <a:effectRef idx="0">
+            <a:schemeClr val="accent1"/>
+          </a:effectRef>
+          <a:fontRef idx="minor">
+            <a:schemeClr val="lt1"/>
+          </a:fontRef>
+        </p:style>
+        <p:txBody>
+          <a:bodyPr rtlCol="0" anchor="ctr"/>
+          <a:lstStyle/>
+          <a:p>
+            <a:pPr algn="ctr"/>
+            <a:endParaRPr lang="es-PE">
+              <a:latin typeface="Algerian" panose="04020705040A02060702" pitchFamily="82" charset="0"/>
+            </a:endParaRPr>
+          </a:p>
+        </p:txBody>
+      </p:sp>
+      <p:sp>
+        <p:nvSpPr>
+          <p:cNvPr id="20" name="Diagrama de flujo: operación manual 19">
+            <a:extLst>
+              <a:ext uri="{FF2B5EF4-FFF2-40B4-BE49-F238E27FC236}">
+                <a16:creationId xmlns:a16="http://schemas.microsoft.com/office/drawing/2014/main" id="{AC9CFAF6-6DEE-F76A-5FCE-84AB7F30EA70}"/>
+              </a:ext>
+            </a:extLst>
+          </p:cNvPr>
+          <p:cNvSpPr/>
+          <p:nvPr/>
+        </p:nvSpPr>
+        <p:spPr>
+          <a:xfrm>
+            <a:off x="3679023" y="2825596"/>
+            <a:ext cx="1148316" cy="1164265"/>
+          </a:xfrm>
+          <a:prstGeom prst="flowChartManualOperation">
+            <a:avLst/>
+          </a:prstGeom>
+          <a:solidFill>
+            <a:schemeClr val="bg1">
+              <a:lumMod val="75000"/>
+            </a:schemeClr>
+          </a:solidFill>
+          <a:ln>
+            <a:solidFill>
+              <a:schemeClr val="tx1"/>
+            </a:solidFill>
+          </a:ln>
+        </p:spPr>
+        <p:style>
+          <a:lnRef idx="2">
+            <a:schemeClr val="accent1">
+              <a:shade val="50000"/>
+            </a:schemeClr>
+          </a:lnRef>
+          <a:fillRef idx="1">
+            <a:schemeClr val="accent1"/>
+          </a:fillRef>
+          <a:effectRef idx="0">
+            <a:schemeClr val="accent1"/>
+          </a:effectRef>
+          <a:fontRef idx="minor">
+            <a:schemeClr val="lt1"/>
+          </a:fontRef>
+        </p:style>
+        <p:txBody>
+          <a:bodyPr rtlCol="0" anchor="ctr"/>
+          <a:lstStyle/>
+          <a:p>
+            <a:pPr algn="ctr"/>
+            <a:endParaRPr lang="es-PE">
+              <a:latin typeface="Algerian" panose="04020705040A02060702" pitchFamily="82" charset="0"/>
+            </a:endParaRPr>
+          </a:p>
+        </p:txBody>
+      </p:sp>
+      <p:sp>
+        <p:nvSpPr>
+          <p:cNvPr id="21" name="Diagrama de flujo: operación manual 20">
+            <a:extLst>
+              <a:ext uri="{FF2B5EF4-FFF2-40B4-BE49-F238E27FC236}">
+                <a16:creationId xmlns:a16="http://schemas.microsoft.com/office/drawing/2014/main" id="{1637B4B9-866A-711B-B12F-CD684C0C9CB4}"/>
+              </a:ext>
+            </a:extLst>
+          </p:cNvPr>
+          <p:cNvSpPr/>
+          <p:nvPr/>
+        </p:nvSpPr>
+        <p:spPr>
+          <a:xfrm>
+            <a:off x="5417368" y="2694083"/>
+            <a:ext cx="1148316" cy="1164265"/>
+          </a:xfrm>
+          <a:prstGeom prst="flowChartManualOperation">
+            <a:avLst/>
+          </a:prstGeom>
+          <a:solidFill>
+            <a:schemeClr val="bg1">
+              <a:lumMod val="75000"/>
+            </a:schemeClr>
+          </a:solidFill>
+          <a:ln>
+            <a:solidFill>
+              <a:schemeClr val="tx1"/>
+            </a:solidFill>
+          </a:ln>
+        </p:spPr>
+        <p:style>
+          <a:lnRef idx="2">
+            <a:schemeClr val="accent1">
+              <a:shade val="50000"/>
+            </a:schemeClr>
+          </a:lnRef>
+          <a:fillRef idx="1">
+            <a:schemeClr val="accent1"/>
+          </a:fillRef>
+          <a:effectRef idx="0">
+            <a:schemeClr val="accent1"/>
+          </a:effectRef>
+          <a:fontRef idx="minor">
+            <a:schemeClr val="lt1"/>
+          </a:fontRef>
+        </p:style>
+        <p:txBody>
+          <a:bodyPr rtlCol="0" anchor="ctr"/>
+          <a:lstStyle/>
+          <a:p>
+            <a:pPr algn="ctr"/>
+            <a:endParaRPr lang="es-PE">
+              <a:latin typeface="Algerian" panose="04020705040A02060702" pitchFamily="82" charset="0"/>
+            </a:endParaRPr>
+          </a:p>
+        </p:txBody>
+      </p:sp>
+      <p:sp>
+        <p:nvSpPr>
+          <p:cNvPr id="22" name="Diagrama de flujo: operación manual 21">
+            <a:extLst>
+              <a:ext uri="{FF2B5EF4-FFF2-40B4-BE49-F238E27FC236}">
+                <a16:creationId xmlns:a16="http://schemas.microsoft.com/office/drawing/2014/main" id="{9A72B5FE-2DF7-B0CF-50F9-49BFCC096C16}"/>
+              </a:ext>
+            </a:extLst>
+          </p:cNvPr>
+          <p:cNvSpPr/>
+          <p:nvPr/>
+        </p:nvSpPr>
+        <p:spPr>
+          <a:xfrm>
+            <a:off x="7155713" y="2859265"/>
+            <a:ext cx="1148316" cy="1164265"/>
+          </a:xfrm>
+          <a:prstGeom prst="flowChartManualOperation">
+            <a:avLst/>
+          </a:prstGeom>
+          <a:solidFill>
+            <a:schemeClr val="bg1">
+              <a:lumMod val="75000"/>
+            </a:schemeClr>
+          </a:solidFill>
+          <a:ln>
+            <a:solidFill>
+              <a:schemeClr val="tx1"/>
+            </a:solidFill>
+          </a:ln>
+        </p:spPr>
+        <p:style>
+          <a:lnRef idx="2">
+            <a:schemeClr val="accent1">
+              <a:shade val="50000"/>
+            </a:schemeClr>
+          </a:lnRef>
+          <a:fillRef idx="1">
+            <a:schemeClr val="accent1"/>
+          </a:fillRef>
+          <a:effectRef idx="0">
+            <a:schemeClr val="accent1"/>
+          </a:effectRef>
+          <a:fontRef idx="minor">
+            <a:schemeClr val="lt1"/>
+          </a:fontRef>
+        </p:style>
+        <p:txBody>
+          <a:bodyPr rtlCol="0" anchor="ctr"/>
+          <a:lstStyle/>
+          <a:p>
+            <a:pPr algn="ctr"/>
+            <a:endParaRPr lang="es-PE">
+              <a:latin typeface="Algerian" panose="04020705040A02060702" pitchFamily="82" charset="0"/>
+            </a:endParaRPr>
+          </a:p>
+        </p:txBody>
+      </p:sp>
+      <p:sp>
+        <p:nvSpPr>
+          <p:cNvPr id="23" name="Diagrama de flujo: operación manual 22">
+            <a:extLst>
+              <a:ext uri="{FF2B5EF4-FFF2-40B4-BE49-F238E27FC236}">
+                <a16:creationId xmlns:a16="http://schemas.microsoft.com/office/drawing/2014/main" id="{C36B0DA1-CEFA-0D18-99A3-75E467387A85}"/>
+              </a:ext>
+            </a:extLst>
+          </p:cNvPr>
+          <p:cNvSpPr/>
+          <p:nvPr/>
+        </p:nvSpPr>
+        <p:spPr>
+          <a:xfrm>
+            <a:off x="8796671" y="2825596"/>
+            <a:ext cx="1148316" cy="1164265"/>
+          </a:xfrm>
+          <a:prstGeom prst="flowChartManualOperation">
+            <a:avLst/>
+          </a:prstGeom>
+          <a:solidFill>
+            <a:schemeClr val="bg1">
+              <a:lumMod val="75000"/>
+            </a:schemeClr>
+          </a:solidFill>
+          <a:ln>
+            <a:solidFill>
+              <a:schemeClr val="tx1"/>
+            </a:solidFill>
+          </a:ln>
+        </p:spPr>
+        <p:style>
+          <a:lnRef idx="2">
+            <a:schemeClr val="accent1">
+              <a:shade val="50000"/>
+            </a:schemeClr>
+          </a:lnRef>
+          <a:fillRef idx="1">
+            <a:schemeClr val="accent1"/>
+          </a:fillRef>
+          <a:effectRef idx="0">
+            <a:schemeClr val="accent1"/>
+          </a:effectRef>
+          <a:fontRef idx="minor">
+            <a:schemeClr val="lt1"/>
+          </a:fontRef>
+        </p:style>
+        <p:txBody>
+          <a:bodyPr rtlCol="0" anchor="ctr"/>
+          <a:lstStyle/>
+          <a:p>
+            <a:pPr algn="ctr"/>
+            <a:endParaRPr lang="es-PE">
+              <a:latin typeface="Algerian" panose="04020705040A02060702" pitchFamily="82" charset="0"/>
+            </a:endParaRPr>
+          </a:p>
+        </p:txBody>
+      </p:sp>
+      <p:cxnSp>
+        <p:nvCxnSpPr>
+          <p:cNvPr id="32" name="Conector recto 31">
+            <a:extLst>
+              <a:ext uri="{FF2B5EF4-FFF2-40B4-BE49-F238E27FC236}">
+                <a16:creationId xmlns:a16="http://schemas.microsoft.com/office/drawing/2014/main" id="{C8F38300-50DD-008F-0409-A185264387E0}"/>
+              </a:ext>
+            </a:extLst>
+          </p:cNvPr>
+          <p:cNvCxnSpPr/>
+          <p:nvPr/>
+        </p:nvCxnSpPr>
+        <p:spPr>
+          <a:xfrm>
+            <a:off x="2456120" y="290622"/>
+            <a:ext cx="0" cy="960474"/>
+          </a:xfrm>
+          <a:prstGeom prst="line">
+            <a:avLst/>
+          </a:prstGeom>
+          <a:ln>
+            <a:solidFill>
+              <a:schemeClr val="tx1"/>
+            </a:solidFill>
+          </a:ln>
+        </p:spPr>
+        <p:style>
+          <a:lnRef idx="1">
+            <a:schemeClr val="accent1"/>
+          </a:lnRef>
+          <a:fillRef idx="0">
+            <a:schemeClr val="accent1"/>
+          </a:fillRef>
+          <a:effectRef idx="0">
+            <a:schemeClr val="accent1"/>
+          </a:effectRef>
+          <a:fontRef idx="minor">
+            <a:schemeClr val="tx1"/>
+          </a:fontRef>
+        </p:style>
+      </p:cxnSp>
+      <p:cxnSp>
+        <p:nvCxnSpPr>
+          <p:cNvPr id="33" name="Conector recto 32">
+            <a:extLst>
+              <a:ext uri="{FF2B5EF4-FFF2-40B4-BE49-F238E27FC236}">
+                <a16:creationId xmlns:a16="http://schemas.microsoft.com/office/drawing/2014/main" id="{1BCE1273-0D8E-1C2B-6B81-CAB0F95F7A08}"/>
+              </a:ext>
+            </a:extLst>
+          </p:cNvPr>
+          <p:cNvCxnSpPr/>
+          <p:nvPr/>
+        </p:nvCxnSpPr>
+        <p:spPr>
+          <a:xfrm>
+            <a:off x="3352799" y="290622"/>
+            <a:ext cx="0" cy="960474"/>
+          </a:xfrm>
+          <a:prstGeom prst="line">
+            <a:avLst/>
+          </a:prstGeom>
+          <a:ln>
+            <a:solidFill>
+              <a:schemeClr val="tx1"/>
+            </a:solidFill>
+          </a:ln>
+        </p:spPr>
+        <p:style>
+          <a:lnRef idx="1">
+            <a:schemeClr val="accent1"/>
+          </a:lnRef>
+          <a:fillRef idx="0">
+            <a:schemeClr val="accent1"/>
+          </a:fillRef>
+          <a:effectRef idx="0">
+            <a:schemeClr val="accent1"/>
+          </a:effectRef>
+          <a:fontRef idx="minor">
+            <a:schemeClr val="tx1"/>
+          </a:fontRef>
+        </p:style>
+      </p:cxnSp>
+      <p:cxnSp>
+        <p:nvCxnSpPr>
+          <p:cNvPr id="34" name="Conector recto 33">
+            <a:extLst>
+              <a:ext uri="{FF2B5EF4-FFF2-40B4-BE49-F238E27FC236}">
+                <a16:creationId xmlns:a16="http://schemas.microsoft.com/office/drawing/2014/main" id="{A128C454-E28F-4DFB-5781-6A84A52EAB5A}"/>
+              </a:ext>
+            </a:extLst>
+          </p:cNvPr>
+          <p:cNvCxnSpPr/>
+          <p:nvPr/>
+        </p:nvCxnSpPr>
+        <p:spPr>
+          <a:xfrm>
+            <a:off x="4228215" y="290622"/>
+            <a:ext cx="0" cy="960474"/>
+          </a:xfrm>
+          <a:prstGeom prst="line">
+            <a:avLst/>
+          </a:prstGeom>
+          <a:ln>
+            <a:solidFill>
+              <a:schemeClr val="tx1"/>
+            </a:solidFill>
+          </a:ln>
+        </p:spPr>
+        <p:style>
+          <a:lnRef idx="1">
+            <a:schemeClr val="accent1"/>
+          </a:lnRef>
+          <a:fillRef idx="0">
+            <a:schemeClr val="accent1"/>
+          </a:fillRef>
+          <a:effectRef idx="0">
+            <a:schemeClr val="accent1"/>
+          </a:effectRef>
+          <a:fontRef idx="minor">
+            <a:schemeClr val="tx1"/>
+          </a:fontRef>
+        </p:style>
+      </p:cxnSp>
+      <p:cxnSp>
+        <p:nvCxnSpPr>
+          <p:cNvPr id="35" name="Conector recto 34">
+            <a:extLst>
+              <a:ext uri="{FF2B5EF4-FFF2-40B4-BE49-F238E27FC236}">
+                <a16:creationId xmlns:a16="http://schemas.microsoft.com/office/drawing/2014/main" id="{78A1DA6C-3101-F8BC-826B-138B23FC64A1}"/>
+              </a:ext>
+            </a:extLst>
+          </p:cNvPr>
+          <p:cNvCxnSpPr/>
+          <p:nvPr/>
+        </p:nvCxnSpPr>
+        <p:spPr>
+          <a:xfrm>
+            <a:off x="5114261" y="290622"/>
+            <a:ext cx="0" cy="960474"/>
+          </a:xfrm>
+          <a:prstGeom prst="line">
+            <a:avLst/>
+          </a:prstGeom>
+          <a:ln>
+            <a:solidFill>
+              <a:schemeClr val="tx1"/>
+            </a:solidFill>
+          </a:ln>
+        </p:spPr>
+        <p:style>
+          <a:lnRef idx="1">
+            <a:schemeClr val="accent1"/>
+          </a:lnRef>
+          <a:fillRef idx="0">
+            <a:schemeClr val="accent1"/>
+          </a:fillRef>
+          <a:effectRef idx="0">
+            <a:schemeClr val="accent1"/>
+          </a:effectRef>
+          <a:fontRef idx="minor">
+            <a:schemeClr val="tx1"/>
+          </a:fontRef>
+        </p:style>
+      </p:cxnSp>
+      <p:cxnSp>
+        <p:nvCxnSpPr>
+          <p:cNvPr id="36" name="Conector recto 35">
+            <a:extLst>
+              <a:ext uri="{FF2B5EF4-FFF2-40B4-BE49-F238E27FC236}">
+                <a16:creationId xmlns:a16="http://schemas.microsoft.com/office/drawing/2014/main" id="{ED2C9EE5-4647-EC37-790D-9EE3C3A11400}"/>
+              </a:ext>
+            </a:extLst>
+          </p:cNvPr>
+          <p:cNvCxnSpPr/>
+          <p:nvPr/>
+        </p:nvCxnSpPr>
+        <p:spPr>
+          <a:xfrm>
+            <a:off x="5999513" y="290622"/>
+            <a:ext cx="0" cy="960474"/>
+          </a:xfrm>
+          <a:prstGeom prst="line">
+            <a:avLst/>
+          </a:prstGeom>
+          <a:ln>
+            <a:solidFill>
+              <a:schemeClr val="tx1"/>
+            </a:solidFill>
+          </a:ln>
+        </p:spPr>
+        <p:style>
+          <a:lnRef idx="1">
+            <a:schemeClr val="accent1"/>
+          </a:lnRef>
+          <a:fillRef idx="0">
+            <a:schemeClr val="accent1"/>
+          </a:fillRef>
+          <a:effectRef idx="0">
+            <a:schemeClr val="accent1"/>
+          </a:effectRef>
+          <a:fontRef idx="minor">
+            <a:schemeClr val="tx1"/>
+          </a:fontRef>
+        </p:style>
+      </p:cxnSp>
+      <p:cxnSp>
+        <p:nvCxnSpPr>
+          <p:cNvPr id="37" name="Conector recto 36">
+            <a:extLst>
+              <a:ext uri="{FF2B5EF4-FFF2-40B4-BE49-F238E27FC236}">
+                <a16:creationId xmlns:a16="http://schemas.microsoft.com/office/drawing/2014/main" id="{BDC40F54-90E7-58A7-D873-CE4A67E87E2F}"/>
+              </a:ext>
+            </a:extLst>
+          </p:cNvPr>
+          <p:cNvCxnSpPr/>
+          <p:nvPr/>
+        </p:nvCxnSpPr>
+        <p:spPr>
+          <a:xfrm>
+            <a:off x="6874926" y="290622"/>
+            <a:ext cx="0" cy="960474"/>
+          </a:xfrm>
+          <a:prstGeom prst="line">
+            <a:avLst/>
+          </a:prstGeom>
+          <a:ln>
+            <a:solidFill>
+              <a:schemeClr val="tx1"/>
+            </a:solidFill>
+          </a:ln>
+        </p:spPr>
+        <p:style>
+          <a:lnRef idx="1">
+            <a:schemeClr val="accent1"/>
+          </a:lnRef>
+          <a:fillRef idx="0">
+            <a:schemeClr val="accent1"/>
+          </a:fillRef>
+          <a:effectRef idx="0">
+            <a:schemeClr val="accent1"/>
+          </a:effectRef>
+          <a:fontRef idx="minor">
+            <a:schemeClr val="tx1"/>
+          </a:fontRef>
+        </p:style>
+      </p:cxnSp>
+      <p:cxnSp>
+        <p:nvCxnSpPr>
+          <p:cNvPr id="38" name="Conector recto 37">
+            <a:extLst>
+              <a:ext uri="{FF2B5EF4-FFF2-40B4-BE49-F238E27FC236}">
+                <a16:creationId xmlns:a16="http://schemas.microsoft.com/office/drawing/2014/main" id="{2CD83A54-076A-3BF3-5604-8A6D9828E5A2}"/>
+              </a:ext>
+            </a:extLst>
+          </p:cNvPr>
+          <p:cNvCxnSpPr/>
+          <p:nvPr/>
+        </p:nvCxnSpPr>
+        <p:spPr>
+          <a:xfrm>
+            <a:off x="7760974" y="290622"/>
+            <a:ext cx="0" cy="960474"/>
+          </a:xfrm>
+          <a:prstGeom prst="line">
+            <a:avLst/>
+          </a:prstGeom>
+          <a:ln>
+            <a:solidFill>
+              <a:schemeClr val="tx1"/>
+            </a:solidFill>
+          </a:ln>
+        </p:spPr>
+        <p:style>
+          <a:lnRef idx="1">
+            <a:schemeClr val="accent1"/>
+          </a:lnRef>
+          <a:fillRef idx="0">
+            <a:schemeClr val="accent1"/>
+          </a:fillRef>
+          <a:effectRef idx="0">
+            <a:schemeClr val="accent1"/>
+          </a:effectRef>
+          <a:fontRef idx="minor">
+            <a:schemeClr val="tx1"/>
+          </a:fontRef>
+        </p:style>
+      </p:cxnSp>
+      <p:cxnSp>
+        <p:nvCxnSpPr>
+          <p:cNvPr id="39" name="Conector recto 38">
+            <a:extLst>
+              <a:ext uri="{FF2B5EF4-FFF2-40B4-BE49-F238E27FC236}">
+                <a16:creationId xmlns:a16="http://schemas.microsoft.com/office/drawing/2014/main" id="{982AF3E0-02A1-4490-7D33-05EE20E6E8A0}"/>
+              </a:ext>
+            </a:extLst>
+          </p:cNvPr>
+          <p:cNvCxnSpPr/>
+          <p:nvPr/>
+        </p:nvCxnSpPr>
+        <p:spPr>
+          <a:xfrm>
+            <a:off x="8657653" y="290622"/>
+            <a:ext cx="0" cy="960474"/>
+          </a:xfrm>
+          <a:prstGeom prst="line">
+            <a:avLst/>
+          </a:prstGeom>
+          <a:ln>
+            <a:solidFill>
+              <a:schemeClr val="tx1"/>
+            </a:solidFill>
+          </a:ln>
+        </p:spPr>
+        <p:style>
+          <a:lnRef idx="1">
+            <a:schemeClr val="accent1"/>
+          </a:lnRef>
+          <a:fillRef idx="0">
+            <a:schemeClr val="accent1"/>
+          </a:fillRef>
+          <a:effectRef idx="0">
+            <a:schemeClr val="accent1"/>
+          </a:effectRef>
+          <a:fontRef idx="minor">
+            <a:schemeClr val="tx1"/>
+          </a:fontRef>
+        </p:style>
+      </p:cxnSp>
+      <p:cxnSp>
+        <p:nvCxnSpPr>
+          <p:cNvPr id="40" name="Conector recto 39">
+            <a:extLst>
+              <a:ext uri="{FF2B5EF4-FFF2-40B4-BE49-F238E27FC236}">
+                <a16:creationId xmlns:a16="http://schemas.microsoft.com/office/drawing/2014/main" id="{2A885C5D-C099-7EBB-46DA-98CDF2B42EDA}"/>
+              </a:ext>
+            </a:extLst>
+          </p:cNvPr>
+          <p:cNvCxnSpPr/>
+          <p:nvPr/>
+        </p:nvCxnSpPr>
+        <p:spPr>
+          <a:xfrm>
+            <a:off x="9522434" y="290622"/>
+            <a:ext cx="0" cy="960474"/>
+          </a:xfrm>
+          <a:prstGeom prst="line">
+            <a:avLst/>
+          </a:prstGeom>
+          <a:ln>
+            <a:solidFill>
+              <a:schemeClr val="tx1"/>
+            </a:solidFill>
+          </a:ln>
+        </p:spPr>
+        <p:style>
+          <a:lnRef idx="1">
+            <a:schemeClr val="accent1"/>
+          </a:lnRef>
+          <a:fillRef idx="0">
+            <a:schemeClr val="accent1"/>
+          </a:fillRef>
+          <a:effectRef idx="0">
+            <a:schemeClr val="accent1"/>
+          </a:effectRef>
+          <a:fontRef idx="minor">
+            <a:schemeClr val="tx1"/>
+          </a:fontRef>
+        </p:style>
+      </p:cxnSp>
+      <p:cxnSp>
+        <p:nvCxnSpPr>
+          <p:cNvPr id="41" name="Conector recto 40">
+            <a:extLst>
+              <a:ext uri="{FF2B5EF4-FFF2-40B4-BE49-F238E27FC236}">
+                <a16:creationId xmlns:a16="http://schemas.microsoft.com/office/drawing/2014/main" id="{98929C7F-6794-F009-126C-84D543CDBC42}"/>
+              </a:ext>
+            </a:extLst>
+          </p:cNvPr>
+          <p:cNvCxnSpPr/>
+          <p:nvPr/>
+        </p:nvCxnSpPr>
+        <p:spPr>
+          <a:xfrm>
+            <a:off x="2459661" y="5610457"/>
+            <a:ext cx="0" cy="960474"/>
+          </a:xfrm>
+          <a:prstGeom prst="line">
+            <a:avLst/>
+          </a:prstGeom>
+          <a:ln>
+            <a:solidFill>
+              <a:schemeClr val="tx1"/>
+            </a:solidFill>
+          </a:ln>
+        </p:spPr>
+        <p:style>
+          <a:lnRef idx="1">
+            <a:schemeClr val="accent1"/>
+          </a:lnRef>
+          <a:fillRef idx="0">
+            <a:schemeClr val="accent1"/>
+          </a:fillRef>
+          <a:effectRef idx="0">
+            <a:schemeClr val="accent1"/>
+          </a:effectRef>
+          <a:fontRef idx="minor">
+            <a:schemeClr val="tx1"/>
+          </a:fontRef>
+        </p:style>
+      </p:cxnSp>
+      <p:cxnSp>
+        <p:nvCxnSpPr>
+          <p:cNvPr id="42" name="Conector recto 41">
+            <a:extLst>
+              <a:ext uri="{FF2B5EF4-FFF2-40B4-BE49-F238E27FC236}">
+                <a16:creationId xmlns:a16="http://schemas.microsoft.com/office/drawing/2014/main" id="{5862CE2F-CA69-CBB8-F093-D0762EC8AD40}"/>
+              </a:ext>
+            </a:extLst>
+          </p:cNvPr>
+          <p:cNvCxnSpPr/>
+          <p:nvPr/>
+        </p:nvCxnSpPr>
+        <p:spPr>
+          <a:xfrm>
+            <a:off x="3356340" y="5610457"/>
+            <a:ext cx="0" cy="960474"/>
+          </a:xfrm>
+          <a:prstGeom prst="line">
+            <a:avLst/>
+          </a:prstGeom>
+          <a:ln>
+            <a:solidFill>
+              <a:schemeClr val="tx1"/>
+            </a:solidFill>
+          </a:ln>
+        </p:spPr>
+        <p:style>
+          <a:lnRef idx="1">
+            <a:schemeClr val="accent1"/>
+          </a:lnRef>
+          <a:fillRef idx="0">
+            <a:schemeClr val="accent1"/>
+          </a:fillRef>
+          <a:effectRef idx="0">
+            <a:schemeClr val="accent1"/>
+          </a:effectRef>
+          <a:fontRef idx="minor">
+            <a:schemeClr val="tx1"/>
+          </a:fontRef>
+        </p:style>
+      </p:cxnSp>
+      <p:cxnSp>
+        <p:nvCxnSpPr>
+          <p:cNvPr id="43" name="Conector recto 42">
+            <a:extLst>
+              <a:ext uri="{FF2B5EF4-FFF2-40B4-BE49-F238E27FC236}">
+                <a16:creationId xmlns:a16="http://schemas.microsoft.com/office/drawing/2014/main" id="{6D0F663C-3A0D-986B-8362-A65FA0490B05}"/>
+              </a:ext>
+            </a:extLst>
+          </p:cNvPr>
+          <p:cNvCxnSpPr/>
+          <p:nvPr/>
+        </p:nvCxnSpPr>
+        <p:spPr>
+          <a:xfrm>
+            <a:off x="4231756" y="5610457"/>
+            <a:ext cx="0" cy="960474"/>
+          </a:xfrm>
+          <a:prstGeom prst="line">
+            <a:avLst/>
+          </a:prstGeom>
+          <a:ln>
+            <a:solidFill>
+              <a:schemeClr val="tx1"/>
+            </a:solidFill>
+          </a:ln>
+        </p:spPr>
+        <p:style>
+          <a:lnRef idx="1">
+            <a:schemeClr val="accent1"/>
+          </a:lnRef>
+          <a:fillRef idx="0">
+            <a:schemeClr val="accent1"/>
+          </a:fillRef>
+          <a:effectRef idx="0">
+            <a:schemeClr val="accent1"/>
+          </a:effectRef>
+          <a:fontRef idx="minor">
+            <a:schemeClr val="tx1"/>
+          </a:fontRef>
+        </p:style>
+      </p:cxnSp>
+      <p:cxnSp>
+        <p:nvCxnSpPr>
+          <p:cNvPr id="44" name="Conector recto 43">
+            <a:extLst>
+              <a:ext uri="{FF2B5EF4-FFF2-40B4-BE49-F238E27FC236}">
+                <a16:creationId xmlns:a16="http://schemas.microsoft.com/office/drawing/2014/main" id="{FBFE9E69-B8F5-10C4-659A-ACDE65FAC242}"/>
+              </a:ext>
+            </a:extLst>
+          </p:cNvPr>
+          <p:cNvCxnSpPr/>
+          <p:nvPr/>
+        </p:nvCxnSpPr>
+        <p:spPr>
+          <a:xfrm>
+            <a:off x="5117802" y="5610457"/>
+            <a:ext cx="0" cy="960474"/>
+          </a:xfrm>
+          <a:prstGeom prst="line">
+            <a:avLst/>
+          </a:prstGeom>
+          <a:ln>
+            <a:solidFill>
+              <a:schemeClr val="tx1"/>
+            </a:solidFill>
+          </a:ln>
+        </p:spPr>
+        <p:style>
+          <a:lnRef idx="1">
+            <a:schemeClr val="accent1"/>
+          </a:lnRef>
+          <a:fillRef idx="0">
+            <a:schemeClr val="accent1"/>
+          </a:fillRef>
+          <a:effectRef idx="0">
+            <a:schemeClr val="accent1"/>
+          </a:effectRef>
+          <a:fontRef idx="minor">
+            <a:schemeClr val="tx1"/>
+          </a:fontRef>
+        </p:style>
+      </p:cxnSp>
+      <p:cxnSp>
+        <p:nvCxnSpPr>
+          <p:cNvPr id="45" name="Conector recto 44">
+            <a:extLst>
+              <a:ext uri="{FF2B5EF4-FFF2-40B4-BE49-F238E27FC236}">
+                <a16:creationId xmlns:a16="http://schemas.microsoft.com/office/drawing/2014/main" id="{199A89A5-7E5C-9E6F-3EB7-6765B7612032}"/>
+              </a:ext>
+            </a:extLst>
+          </p:cNvPr>
+          <p:cNvCxnSpPr/>
+          <p:nvPr/>
+        </p:nvCxnSpPr>
+        <p:spPr>
+          <a:xfrm>
+            <a:off x="6003054" y="5610457"/>
+            <a:ext cx="0" cy="960474"/>
+          </a:xfrm>
+          <a:prstGeom prst="line">
+            <a:avLst/>
+          </a:prstGeom>
+          <a:ln>
+            <a:solidFill>
+              <a:schemeClr val="tx1"/>
+            </a:solidFill>
+          </a:ln>
+        </p:spPr>
+        <p:style>
+          <a:lnRef idx="1">
+            <a:schemeClr val="accent1"/>
+          </a:lnRef>
+          <a:fillRef idx="0">
+            <a:schemeClr val="accent1"/>
+          </a:fillRef>
+          <a:effectRef idx="0">
+            <a:schemeClr val="accent1"/>
+          </a:effectRef>
+          <a:fontRef idx="minor">
+            <a:schemeClr val="tx1"/>
+          </a:fontRef>
+        </p:style>
+      </p:cxnSp>
+      <p:cxnSp>
+        <p:nvCxnSpPr>
+          <p:cNvPr id="46" name="Conector recto 45">
+            <a:extLst>
+              <a:ext uri="{FF2B5EF4-FFF2-40B4-BE49-F238E27FC236}">
+                <a16:creationId xmlns:a16="http://schemas.microsoft.com/office/drawing/2014/main" id="{75107D52-39EA-D78A-6180-A123A328D439}"/>
+              </a:ext>
+            </a:extLst>
+          </p:cNvPr>
+          <p:cNvCxnSpPr/>
+          <p:nvPr/>
+        </p:nvCxnSpPr>
+        <p:spPr>
+          <a:xfrm>
+            <a:off x="6878467" y="5610457"/>
+            <a:ext cx="0" cy="960474"/>
+          </a:xfrm>
+          <a:prstGeom prst="line">
+            <a:avLst/>
+          </a:prstGeom>
+          <a:ln>
+            <a:solidFill>
+              <a:schemeClr val="tx1"/>
+            </a:solidFill>
+          </a:ln>
+        </p:spPr>
+        <p:style>
+          <a:lnRef idx="1">
+            <a:schemeClr val="accent1"/>
+          </a:lnRef>
+          <a:fillRef idx="0">
+            <a:schemeClr val="accent1"/>
+          </a:fillRef>
+          <a:effectRef idx="0">
+            <a:schemeClr val="accent1"/>
+          </a:effectRef>
+          <a:fontRef idx="minor">
+            <a:schemeClr val="tx1"/>
+          </a:fontRef>
+        </p:style>
+      </p:cxnSp>
+      <p:cxnSp>
+        <p:nvCxnSpPr>
+          <p:cNvPr id="47" name="Conector recto 46">
+            <a:extLst>
+              <a:ext uri="{FF2B5EF4-FFF2-40B4-BE49-F238E27FC236}">
+                <a16:creationId xmlns:a16="http://schemas.microsoft.com/office/drawing/2014/main" id="{2198A0E7-2742-E336-97FC-D9A68A3B4DAE}"/>
+              </a:ext>
+            </a:extLst>
+          </p:cNvPr>
+          <p:cNvCxnSpPr/>
+          <p:nvPr/>
+        </p:nvCxnSpPr>
+        <p:spPr>
+          <a:xfrm>
+            <a:off x="7764515" y="5610457"/>
+            <a:ext cx="0" cy="960474"/>
+          </a:xfrm>
+          <a:prstGeom prst="line">
+            <a:avLst/>
+          </a:prstGeom>
+          <a:ln>
+            <a:solidFill>
+              <a:schemeClr val="tx1"/>
+            </a:solidFill>
+          </a:ln>
+        </p:spPr>
+        <p:style>
+          <a:lnRef idx="1">
+            <a:schemeClr val="accent1"/>
+          </a:lnRef>
+          <a:fillRef idx="0">
+            <a:schemeClr val="accent1"/>
+          </a:fillRef>
+          <a:effectRef idx="0">
+            <a:schemeClr val="accent1"/>
+          </a:effectRef>
+          <a:fontRef idx="minor">
+            <a:schemeClr val="tx1"/>
+          </a:fontRef>
+        </p:style>
+      </p:cxnSp>
+      <p:cxnSp>
+        <p:nvCxnSpPr>
+          <p:cNvPr id="48" name="Conector recto 47">
+            <a:extLst>
+              <a:ext uri="{FF2B5EF4-FFF2-40B4-BE49-F238E27FC236}">
+                <a16:creationId xmlns:a16="http://schemas.microsoft.com/office/drawing/2014/main" id="{6E322F48-02FE-4518-F5E2-68A00FB44BE7}"/>
+              </a:ext>
+            </a:extLst>
+          </p:cNvPr>
+          <p:cNvCxnSpPr/>
+          <p:nvPr/>
+        </p:nvCxnSpPr>
+        <p:spPr>
+          <a:xfrm>
+            <a:off x="8661194" y="5610457"/>
+            <a:ext cx="0" cy="960474"/>
+          </a:xfrm>
+          <a:prstGeom prst="line">
+            <a:avLst/>
+          </a:prstGeom>
+          <a:ln>
+            <a:solidFill>
+              <a:schemeClr val="tx1"/>
+            </a:solidFill>
+          </a:ln>
+        </p:spPr>
+        <p:style>
+          <a:lnRef idx="1">
+            <a:schemeClr val="accent1"/>
+          </a:lnRef>
+          <a:fillRef idx="0">
+            <a:schemeClr val="accent1"/>
+          </a:fillRef>
+          <a:effectRef idx="0">
+            <a:schemeClr val="accent1"/>
+          </a:effectRef>
+          <a:fontRef idx="minor">
+            <a:schemeClr val="tx1"/>
+          </a:fontRef>
+        </p:style>
+      </p:cxnSp>
+      <p:cxnSp>
+        <p:nvCxnSpPr>
+          <p:cNvPr id="49" name="Conector recto 48">
+            <a:extLst>
+              <a:ext uri="{FF2B5EF4-FFF2-40B4-BE49-F238E27FC236}">
+                <a16:creationId xmlns:a16="http://schemas.microsoft.com/office/drawing/2014/main" id="{2F83C479-9F74-55CB-5321-431F8BFB7590}"/>
+              </a:ext>
+            </a:extLst>
+          </p:cNvPr>
+          <p:cNvCxnSpPr/>
+          <p:nvPr/>
+        </p:nvCxnSpPr>
+        <p:spPr>
+          <a:xfrm>
+            <a:off x="9525975" y="5610457"/>
+            <a:ext cx="0" cy="960474"/>
+          </a:xfrm>
+          <a:prstGeom prst="line">
+            <a:avLst/>
+          </a:prstGeom>
+          <a:ln>
+            <a:solidFill>
+              <a:schemeClr val="tx1"/>
+            </a:solidFill>
+          </a:ln>
+        </p:spPr>
+        <p:style>
+          <a:lnRef idx="1">
+            <a:schemeClr val="accent1"/>
+          </a:lnRef>
+          <a:fillRef idx="0">
+            <a:schemeClr val="accent1"/>
+          </a:fillRef>
+          <a:effectRef idx="0">
+            <a:schemeClr val="accent1"/>
+          </a:effectRef>
+          <a:fontRef idx="minor">
+            <a:schemeClr val="tx1"/>
+          </a:fontRef>
+        </p:style>
+      </p:cxnSp>
+      <p:sp>
+        <p:nvSpPr>
+          <p:cNvPr id="50" name="CuadroTexto 49">
+            <a:extLst>
+              <a:ext uri="{FF2B5EF4-FFF2-40B4-BE49-F238E27FC236}">
+                <a16:creationId xmlns:a16="http://schemas.microsoft.com/office/drawing/2014/main" id="{CE03D136-FE4A-C9AA-A3DF-0D3A0584919B}"/>
+              </a:ext>
+            </a:extLst>
+          </p:cNvPr>
+          <p:cNvSpPr txBox="1"/>
+          <p:nvPr/>
+        </p:nvSpPr>
+        <p:spPr>
+          <a:xfrm>
+            <a:off x="1851996" y="365106"/>
+            <a:ext cx="435935" cy="830997"/>
+          </a:xfrm>
+          <a:prstGeom prst="rect">
+            <a:avLst/>
+          </a:prstGeom>
+          <a:noFill/>
+        </p:spPr>
+        <p:txBody>
+          <a:bodyPr wrap="square" rtlCol="0">
+            <a:spAutoFit/>
+          </a:bodyPr>
+          <a:lstStyle/>
+          <a:p>
+            <a:r>
+              <a:rPr lang="es-ES" sz="4800" dirty="0">
+                <a:latin typeface="Algerian" panose="04020705040A02060702" pitchFamily="82" charset="0"/>
+              </a:rPr>
+              <a:t>?</a:t>
+            </a:r>
+            <a:endParaRPr lang="es-PE" sz="4800" dirty="0">
+              <a:latin typeface="Algerian" panose="04020705040A02060702" pitchFamily="82" charset="0"/>
+            </a:endParaRPr>
+          </a:p>
+        </p:txBody>
+      </p:sp>
+      <p:sp>
+        <p:nvSpPr>
+          <p:cNvPr id="51" name="CuadroTexto 50">
+            <a:extLst>
+              <a:ext uri="{FF2B5EF4-FFF2-40B4-BE49-F238E27FC236}">
+                <a16:creationId xmlns:a16="http://schemas.microsoft.com/office/drawing/2014/main" id="{70FFCC4F-1F2A-1403-4949-CA1492CD626C}"/>
+              </a:ext>
+            </a:extLst>
+          </p:cNvPr>
+          <p:cNvSpPr txBox="1"/>
+          <p:nvPr/>
+        </p:nvSpPr>
+        <p:spPr>
+          <a:xfrm>
+            <a:off x="2680779" y="365106"/>
+            <a:ext cx="435935" cy="830997"/>
+          </a:xfrm>
+          <a:prstGeom prst="rect">
+            <a:avLst/>
+          </a:prstGeom>
+          <a:noFill/>
+        </p:spPr>
+        <p:txBody>
+          <a:bodyPr wrap="square" rtlCol="0">
+            <a:spAutoFit/>
+          </a:bodyPr>
+          <a:lstStyle/>
+          <a:p>
+            <a:r>
+              <a:rPr lang="es-ES" sz="4800" dirty="0">
+                <a:latin typeface="Algerian" panose="04020705040A02060702" pitchFamily="82" charset="0"/>
+              </a:rPr>
+              <a:t>?</a:t>
+            </a:r>
+            <a:endParaRPr lang="es-PE" sz="4800" dirty="0">
+              <a:latin typeface="Algerian" panose="04020705040A02060702" pitchFamily="82" charset="0"/>
+            </a:endParaRPr>
+          </a:p>
+        </p:txBody>
+      </p:sp>
+      <p:sp>
+        <p:nvSpPr>
+          <p:cNvPr id="52" name="CuadroTexto 51">
+            <a:extLst>
+              <a:ext uri="{FF2B5EF4-FFF2-40B4-BE49-F238E27FC236}">
+                <a16:creationId xmlns:a16="http://schemas.microsoft.com/office/drawing/2014/main" id="{97C309E5-84D7-CED6-EC29-61830A4C9849}"/>
+              </a:ext>
+            </a:extLst>
+          </p:cNvPr>
+          <p:cNvSpPr txBox="1"/>
+          <p:nvPr/>
+        </p:nvSpPr>
+        <p:spPr>
+          <a:xfrm>
+            <a:off x="3612897" y="359790"/>
+            <a:ext cx="435935" cy="830997"/>
+          </a:xfrm>
+          <a:prstGeom prst="rect">
+            <a:avLst/>
+          </a:prstGeom>
+          <a:noFill/>
+        </p:spPr>
+        <p:txBody>
+          <a:bodyPr wrap="square" rtlCol="0">
+            <a:spAutoFit/>
+          </a:bodyPr>
+          <a:lstStyle/>
+          <a:p>
+            <a:r>
+              <a:rPr lang="es-ES" sz="4800" dirty="0">
+                <a:latin typeface="Algerian" panose="04020705040A02060702" pitchFamily="82" charset="0"/>
+              </a:rPr>
+              <a:t>?</a:t>
+            </a:r>
+            <a:endParaRPr lang="es-PE" sz="4800" dirty="0">
+              <a:latin typeface="Algerian" panose="04020705040A02060702" pitchFamily="82" charset="0"/>
+            </a:endParaRPr>
+          </a:p>
+        </p:txBody>
+      </p:sp>
+      <p:sp>
+        <p:nvSpPr>
+          <p:cNvPr id="53" name="CuadroTexto 52">
+            <a:extLst>
+              <a:ext uri="{FF2B5EF4-FFF2-40B4-BE49-F238E27FC236}">
+                <a16:creationId xmlns:a16="http://schemas.microsoft.com/office/drawing/2014/main" id="{6AB8AE1E-602C-7713-4214-10CF806BD8ED}"/>
+              </a:ext>
+            </a:extLst>
+          </p:cNvPr>
+          <p:cNvSpPr txBox="1"/>
+          <p:nvPr/>
+        </p:nvSpPr>
+        <p:spPr>
+          <a:xfrm>
+            <a:off x="4441021" y="365105"/>
+            <a:ext cx="435935" cy="830997"/>
+          </a:xfrm>
+          <a:prstGeom prst="rect">
+            <a:avLst/>
+          </a:prstGeom>
+          <a:noFill/>
+        </p:spPr>
+        <p:txBody>
+          <a:bodyPr wrap="square" rtlCol="0">
+            <a:spAutoFit/>
+          </a:bodyPr>
+          <a:lstStyle/>
+          <a:p>
+            <a:r>
+              <a:rPr lang="es-ES" sz="4800" dirty="0">
+                <a:latin typeface="Algerian" panose="04020705040A02060702" pitchFamily="82" charset="0"/>
+              </a:rPr>
+              <a:t>?</a:t>
+            </a:r>
+            <a:endParaRPr lang="es-PE" sz="4800" dirty="0">
+              <a:latin typeface="Algerian" panose="04020705040A02060702" pitchFamily="82" charset="0"/>
+            </a:endParaRPr>
+          </a:p>
+        </p:txBody>
+      </p:sp>
+      <p:sp>
+        <p:nvSpPr>
+          <p:cNvPr id="54" name="CuadroTexto 53">
+            <a:extLst>
+              <a:ext uri="{FF2B5EF4-FFF2-40B4-BE49-F238E27FC236}">
+                <a16:creationId xmlns:a16="http://schemas.microsoft.com/office/drawing/2014/main" id="{F6935A3A-C5B1-9753-BDE2-3BD690A04013}"/>
+              </a:ext>
+            </a:extLst>
+          </p:cNvPr>
+          <p:cNvSpPr txBox="1"/>
+          <p:nvPr/>
+        </p:nvSpPr>
+        <p:spPr>
+          <a:xfrm>
+            <a:off x="5326272" y="365104"/>
+            <a:ext cx="435935" cy="830997"/>
+          </a:xfrm>
+          <a:prstGeom prst="rect">
+            <a:avLst/>
+          </a:prstGeom>
+          <a:noFill/>
+        </p:spPr>
+        <p:txBody>
+          <a:bodyPr wrap="square" rtlCol="0">
+            <a:spAutoFit/>
+          </a:bodyPr>
+          <a:lstStyle/>
+          <a:p>
+            <a:r>
+              <a:rPr lang="es-ES" sz="4800" dirty="0">
+                <a:latin typeface="Algerian" panose="04020705040A02060702" pitchFamily="82" charset="0"/>
+              </a:rPr>
+              <a:t>?</a:t>
+            </a:r>
+            <a:endParaRPr lang="es-PE" sz="4800" dirty="0">
+              <a:latin typeface="Algerian" panose="04020705040A02060702" pitchFamily="82" charset="0"/>
+            </a:endParaRPr>
+          </a:p>
+        </p:txBody>
+      </p:sp>
+      <p:sp>
+        <p:nvSpPr>
+          <p:cNvPr id="55" name="CuadroTexto 54">
+            <a:extLst>
+              <a:ext uri="{FF2B5EF4-FFF2-40B4-BE49-F238E27FC236}">
+                <a16:creationId xmlns:a16="http://schemas.microsoft.com/office/drawing/2014/main" id="{8741300B-C488-FB48-31FA-1D5C064188C6}"/>
+              </a:ext>
+            </a:extLst>
+          </p:cNvPr>
+          <p:cNvSpPr txBox="1"/>
+          <p:nvPr/>
+        </p:nvSpPr>
+        <p:spPr>
+          <a:xfrm>
+            <a:off x="6258086" y="382826"/>
+            <a:ext cx="435935" cy="830997"/>
+          </a:xfrm>
+          <a:prstGeom prst="rect">
+            <a:avLst/>
+          </a:prstGeom>
+          <a:noFill/>
+        </p:spPr>
+        <p:txBody>
+          <a:bodyPr wrap="square" rtlCol="0">
+            <a:spAutoFit/>
+          </a:bodyPr>
+          <a:lstStyle/>
+          <a:p>
+            <a:r>
+              <a:rPr lang="es-ES" sz="4800" dirty="0">
+                <a:latin typeface="Algerian" panose="04020705040A02060702" pitchFamily="82" charset="0"/>
+              </a:rPr>
+              <a:t>?</a:t>
+            </a:r>
+            <a:endParaRPr lang="es-PE" sz="4800" dirty="0">
+              <a:latin typeface="Algerian" panose="04020705040A02060702" pitchFamily="82" charset="0"/>
+            </a:endParaRPr>
+          </a:p>
+        </p:txBody>
+      </p:sp>
+      <p:sp>
+        <p:nvSpPr>
+          <p:cNvPr id="56" name="CuadroTexto 55">
+            <a:extLst>
+              <a:ext uri="{FF2B5EF4-FFF2-40B4-BE49-F238E27FC236}">
+                <a16:creationId xmlns:a16="http://schemas.microsoft.com/office/drawing/2014/main" id="{46239E78-5BB0-9AA7-6FB4-A392C5D69A01}"/>
+              </a:ext>
+            </a:extLst>
+          </p:cNvPr>
+          <p:cNvSpPr txBox="1"/>
+          <p:nvPr/>
+        </p:nvSpPr>
+        <p:spPr>
+          <a:xfrm>
+            <a:off x="7110617" y="382825"/>
+            <a:ext cx="435935" cy="830997"/>
+          </a:xfrm>
+          <a:prstGeom prst="rect">
+            <a:avLst/>
+          </a:prstGeom>
+          <a:noFill/>
+        </p:spPr>
+        <p:txBody>
+          <a:bodyPr wrap="square" rtlCol="0">
+            <a:spAutoFit/>
+          </a:bodyPr>
+          <a:lstStyle/>
+          <a:p>
+            <a:r>
+              <a:rPr lang="es-ES" sz="4800" dirty="0">
+                <a:latin typeface="Algerian" panose="04020705040A02060702" pitchFamily="82" charset="0"/>
+              </a:rPr>
+              <a:t>?</a:t>
+            </a:r>
+            <a:endParaRPr lang="es-PE" sz="4800" dirty="0">
+              <a:latin typeface="Algerian" panose="04020705040A02060702" pitchFamily="82" charset="0"/>
+            </a:endParaRPr>
+          </a:p>
+        </p:txBody>
+      </p:sp>
+      <p:sp>
+        <p:nvSpPr>
+          <p:cNvPr id="57" name="CuadroTexto 56">
+            <a:extLst>
+              <a:ext uri="{FF2B5EF4-FFF2-40B4-BE49-F238E27FC236}">
+                <a16:creationId xmlns:a16="http://schemas.microsoft.com/office/drawing/2014/main" id="{17DA8748-56FD-E097-E154-D5AAD7B88FA1}"/>
+              </a:ext>
+            </a:extLst>
+          </p:cNvPr>
+          <p:cNvSpPr txBox="1"/>
+          <p:nvPr/>
+        </p:nvSpPr>
+        <p:spPr>
+          <a:xfrm>
+            <a:off x="7975397" y="355360"/>
+            <a:ext cx="435935" cy="830997"/>
+          </a:xfrm>
+          <a:prstGeom prst="rect">
+            <a:avLst/>
+          </a:prstGeom>
+          <a:noFill/>
+        </p:spPr>
+        <p:txBody>
+          <a:bodyPr wrap="square" rtlCol="0">
+            <a:spAutoFit/>
+          </a:bodyPr>
+          <a:lstStyle/>
+          <a:p>
+            <a:r>
+              <a:rPr lang="es-ES" sz="4800" dirty="0">
+                <a:latin typeface="Algerian" panose="04020705040A02060702" pitchFamily="82" charset="0"/>
+              </a:rPr>
+              <a:t>?</a:t>
+            </a:r>
+            <a:endParaRPr lang="es-PE" sz="4800" dirty="0">
+              <a:latin typeface="Algerian" panose="04020705040A02060702" pitchFamily="82" charset="0"/>
+            </a:endParaRPr>
+          </a:p>
+        </p:txBody>
+      </p:sp>
+      <p:sp>
+        <p:nvSpPr>
+          <p:cNvPr id="58" name="CuadroTexto 57">
+            <a:extLst>
+              <a:ext uri="{FF2B5EF4-FFF2-40B4-BE49-F238E27FC236}">
+                <a16:creationId xmlns:a16="http://schemas.microsoft.com/office/drawing/2014/main" id="{027D9074-1A3D-E6E2-44C6-3CDC022F0696}"/>
+              </a:ext>
+            </a:extLst>
+          </p:cNvPr>
+          <p:cNvSpPr txBox="1"/>
+          <p:nvPr/>
+        </p:nvSpPr>
+        <p:spPr>
+          <a:xfrm>
+            <a:off x="8872077" y="355360"/>
+            <a:ext cx="435935" cy="830997"/>
+          </a:xfrm>
+          <a:prstGeom prst="rect">
+            <a:avLst/>
+          </a:prstGeom>
+          <a:noFill/>
+        </p:spPr>
+        <p:txBody>
+          <a:bodyPr wrap="square" rtlCol="0">
+            <a:spAutoFit/>
+          </a:bodyPr>
+          <a:lstStyle/>
+          <a:p>
+            <a:r>
+              <a:rPr lang="es-ES" sz="4800" dirty="0">
+                <a:latin typeface="Algerian" panose="04020705040A02060702" pitchFamily="82" charset="0"/>
+              </a:rPr>
+              <a:t>?</a:t>
+            </a:r>
+            <a:endParaRPr lang="es-PE" sz="4800" dirty="0">
+              <a:latin typeface="Algerian" panose="04020705040A02060702" pitchFamily="82" charset="0"/>
+            </a:endParaRPr>
+          </a:p>
+        </p:txBody>
+      </p:sp>
+      <p:sp>
+        <p:nvSpPr>
+          <p:cNvPr id="59" name="CuadroTexto 58">
+            <a:extLst>
+              <a:ext uri="{FF2B5EF4-FFF2-40B4-BE49-F238E27FC236}">
+                <a16:creationId xmlns:a16="http://schemas.microsoft.com/office/drawing/2014/main" id="{34471519-3A77-55D5-D96C-DE56A102B9E3}"/>
+              </a:ext>
+            </a:extLst>
+          </p:cNvPr>
+          <p:cNvSpPr txBox="1"/>
+          <p:nvPr/>
+        </p:nvSpPr>
+        <p:spPr>
+          <a:xfrm>
+            <a:off x="9727019" y="382825"/>
+            <a:ext cx="435935" cy="830997"/>
+          </a:xfrm>
+          <a:prstGeom prst="rect">
+            <a:avLst/>
+          </a:prstGeom>
+          <a:noFill/>
+        </p:spPr>
+        <p:txBody>
+          <a:bodyPr wrap="square" rtlCol="0">
+            <a:spAutoFit/>
+          </a:bodyPr>
+          <a:lstStyle/>
+          <a:p>
+            <a:r>
+              <a:rPr lang="es-ES" sz="4800" dirty="0">
+                <a:latin typeface="Algerian" panose="04020705040A02060702" pitchFamily="82" charset="0"/>
+              </a:rPr>
+              <a:t>?</a:t>
+            </a:r>
+            <a:endParaRPr lang="es-PE" sz="4800" dirty="0">
+              <a:latin typeface="Algerian" panose="04020705040A02060702" pitchFamily="82" charset="0"/>
+            </a:endParaRPr>
+          </a:p>
+        </p:txBody>
+      </p:sp>
+      <p:sp>
+        <p:nvSpPr>
+          <p:cNvPr id="1044" name="CuadroTexto 1043">
+            <a:extLst>
+              <a:ext uri="{FF2B5EF4-FFF2-40B4-BE49-F238E27FC236}">
+                <a16:creationId xmlns:a16="http://schemas.microsoft.com/office/drawing/2014/main" id="{691C3637-1AC7-B7A9-69AD-4B8F17BF35B3}"/>
+              </a:ext>
+            </a:extLst>
+          </p:cNvPr>
+          <p:cNvSpPr txBox="1"/>
+          <p:nvPr/>
+        </p:nvSpPr>
+        <p:spPr>
+          <a:xfrm rot="10800000">
+            <a:off x="1782857" y="5718661"/>
+            <a:ext cx="435935" cy="830997"/>
+          </a:xfrm>
+          <a:prstGeom prst="rect">
+            <a:avLst/>
+          </a:prstGeom>
+          <a:noFill/>
+        </p:spPr>
+        <p:txBody>
+          <a:bodyPr wrap="square" rtlCol="0">
+            <a:spAutoFit/>
+          </a:bodyPr>
+          <a:lstStyle/>
+          <a:p>
+            <a:r>
+              <a:rPr lang="es-ES" sz="4800" dirty="0">
+                <a:latin typeface="Algerian" panose="04020705040A02060702" pitchFamily="82" charset="0"/>
+              </a:rPr>
+              <a:t>?</a:t>
+            </a:r>
+            <a:endParaRPr lang="es-PE" sz="4800" dirty="0">
+              <a:latin typeface="Algerian" panose="04020705040A02060702" pitchFamily="82" charset="0"/>
+            </a:endParaRPr>
+          </a:p>
+        </p:txBody>
+      </p:sp>
+      <p:sp>
+        <p:nvSpPr>
+          <p:cNvPr id="1045" name="CuadroTexto 1044">
+            <a:extLst>
+              <a:ext uri="{FF2B5EF4-FFF2-40B4-BE49-F238E27FC236}">
+                <a16:creationId xmlns:a16="http://schemas.microsoft.com/office/drawing/2014/main" id="{A8F92BA7-53D7-ED60-8827-0DBD9296710B}"/>
+              </a:ext>
+            </a:extLst>
+          </p:cNvPr>
+          <p:cNvSpPr txBox="1"/>
+          <p:nvPr/>
+        </p:nvSpPr>
+        <p:spPr>
+          <a:xfrm rot="10800000">
+            <a:off x="2611640" y="5718661"/>
+            <a:ext cx="435935" cy="830997"/>
+          </a:xfrm>
+          <a:prstGeom prst="rect">
+            <a:avLst/>
+          </a:prstGeom>
+          <a:noFill/>
+        </p:spPr>
+        <p:txBody>
+          <a:bodyPr wrap="square" rtlCol="0">
+            <a:spAutoFit/>
+          </a:bodyPr>
+          <a:lstStyle/>
+          <a:p>
+            <a:r>
+              <a:rPr lang="es-ES" sz="4800" dirty="0">
+                <a:latin typeface="Algerian" panose="04020705040A02060702" pitchFamily="82" charset="0"/>
+              </a:rPr>
+              <a:t>?</a:t>
+            </a:r>
+            <a:endParaRPr lang="es-PE" sz="4800" dirty="0">
+              <a:latin typeface="Algerian" panose="04020705040A02060702" pitchFamily="82" charset="0"/>
+            </a:endParaRPr>
+          </a:p>
+        </p:txBody>
+      </p:sp>
+      <p:sp>
+        <p:nvSpPr>
+          <p:cNvPr id="1046" name="CuadroTexto 1045">
+            <a:extLst>
+              <a:ext uri="{FF2B5EF4-FFF2-40B4-BE49-F238E27FC236}">
+                <a16:creationId xmlns:a16="http://schemas.microsoft.com/office/drawing/2014/main" id="{EA393DD5-8C4E-8CC4-19EB-5EC760D295E5}"/>
+              </a:ext>
+            </a:extLst>
+          </p:cNvPr>
+          <p:cNvSpPr txBox="1"/>
+          <p:nvPr/>
+        </p:nvSpPr>
+        <p:spPr>
+          <a:xfrm rot="10800000">
+            <a:off x="3543758" y="5713345"/>
+            <a:ext cx="435935" cy="830997"/>
+          </a:xfrm>
+          <a:prstGeom prst="rect">
+            <a:avLst/>
+          </a:prstGeom>
+          <a:noFill/>
+        </p:spPr>
+        <p:txBody>
+          <a:bodyPr wrap="square" rtlCol="0">
+            <a:spAutoFit/>
+          </a:bodyPr>
+          <a:lstStyle/>
+          <a:p>
+            <a:r>
+              <a:rPr lang="es-ES" sz="4800" dirty="0">
+                <a:latin typeface="Algerian" panose="04020705040A02060702" pitchFamily="82" charset="0"/>
+              </a:rPr>
+              <a:t>?</a:t>
+            </a:r>
+            <a:endParaRPr lang="es-PE" sz="4800" dirty="0">
+              <a:latin typeface="Algerian" panose="04020705040A02060702" pitchFamily="82" charset="0"/>
+            </a:endParaRPr>
+          </a:p>
+        </p:txBody>
+      </p:sp>
+      <p:sp>
+        <p:nvSpPr>
+          <p:cNvPr id="1047" name="CuadroTexto 1046">
+            <a:extLst>
+              <a:ext uri="{FF2B5EF4-FFF2-40B4-BE49-F238E27FC236}">
+                <a16:creationId xmlns:a16="http://schemas.microsoft.com/office/drawing/2014/main" id="{B183C48E-BE5C-837A-9A97-CAB5E52C7F7F}"/>
+              </a:ext>
+            </a:extLst>
+          </p:cNvPr>
+          <p:cNvSpPr txBox="1"/>
+          <p:nvPr/>
+        </p:nvSpPr>
+        <p:spPr>
+          <a:xfrm rot="10800000">
+            <a:off x="4371882" y="5718660"/>
+            <a:ext cx="435935" cy="830997"/>
+          </a:xfrm>
+          <a:prstGeom prst="rect">
+            <a:avLst/>
+          </a:prstGeom>
+          <a:noFill/>
+        </p:spPr>
+        <p:txBody>
+          <a:bodyPr wrap="square" rtlCol="0">
+            <a:spAutoFit/>
+          </a:bodyPr>
+          <a:lstStyle/>
+          <a:p>
+            <a:r>
+              <a:rPr lang="es-ES" sz="4800" dirty="0">
+                <a:latin typeface="Algerian" panose="04020705040A02060702" pitchFamily="82" charset="0"/>
+              </a:rPr>
+              <a:t>?</a:t>
+            </a:r>
+            <a:endParaRPr lang="es-PE" sz="4800" dirty="0">
+              <a:latin typeface="Algerian" panose="04020705040A02060702" pitchFamily="82" charset="0"/>
+            </a:endParaRPr>
+          </a:p>
+        </p:txBody>
+      </p:sp>
+      <p:sp>
+        <p:nvSpPr>
+          <p:cNvPr id="1048" name="CuadroTexto 1047">
+            <a:extLst>
+              <a:ext uri="{FF2B5EF4-FFF2-40B4-BE49-F238E27FC236}">
+                <a16:creationId xmlns:a16="http://schemas.microsoft.com/office/drawing/2014/main" id="{90369D63-AAF9-D1A5-0E0A-94D7AD4CB2B9}"/>
+              </a:ext>
+            </a:extLst>
+          </p:cNvPr>
+          <p:cNvSpPr txBox="1"/>
+          <p:nvPr/>
+        </p:nvSpPr>
+        <p:spPr>
+          <a:xfrm rot="10800000">
+            <a:off x="5257133" y="5718659"/>
+            <a:ext cx="435935" cy="830997"/>
+          </a:xfrm>
+          <a:prstGeom prst="rect">
+            <a:avLst/>
+          </a:prstGeom>
+          <a:noFill/>
+        </p:spPr>
+        <p:txBody>
+          <a:bodyPr wrap="square" rtlCol="0">
+            <a:spAutoFit/>
+          </a:bodyPr>
+          <a:lstStyle/>
+          <a:p>
+            <a:r>
+              <a:rPr lang="es-ES" sz="4800" dirty="0">
+                <a:latin typeface="Algerian" panose="04020705040A02060702" pitchFamily="82" charset="0"/>
+              </a:rPr>
+              <a:t>?</a:t>
+            </a:r>
+            <a:endParaRPr lang="es-PE" sz="4800" dirty="0">
+              <a:latin typeface="Algerian" panose="04020705040A02060702" pitchFamily="82" charset="0"/>
+            </a:endParaRPr>
+          </a:p>
+        </p:txBody>
+      </p:sp>
+      <p:sp>
+        <p:nvSpPr>
+          <p:cNvPr id="1049" name="CuadroTexto 1048">
+            <a:extLst>
+              <a:ext uri="{FF2B5EF4-FFF2-40B4-BE49-F238E27FC236}">
+                <a16:creationId xmlns:a16="http://schemas.microsoft.com/office/drawing/2014/main" id="{0D069299-1954-84B2-619C-4F39CD68B347}"/>
+              </a:ext>
+            </a:extLst>
+          </p:cNvPr>
+          <p:cNvSpPr txBox="1"/>
+          <p:nvPr/>
+        </p:nvSpPr>
+        <p:spPr>
+          <a:xfrm rot="10800000">
+            <a:off x="6188947" y="5736381"/>
+            <a:ext cx="435935" cy="830997"/>
+          </a:xfrm>
+          <a:prstGeom prst="rect">
+            <a:avLst/>
+          </a:prstGeom>
+          <a:noFill/>
+        </p:spPr>
+        <p:txBody>
+          <a:bodyPr wrap="square" rtlCol="0">
+            <a:spAutoFit/>
+          </a:bodyPr>
+          <a:lstStyle/>
+          <a:p>
+            <a:r>
+              <a:rPr lang="es-ES" sz="4800" dirty="0">
+                <a:latin typeface="Algerian" panose="04020705040A02060702" pitchFamily="82" charset="0"/>
+              </a:rPr>
+              <a:t>?</a:t>
+            </a:r>
+            <a:endParaRPr lang="es-PE" sz="4800" dirty="0">
+              <a:latin typeface="Algerian" panose="04020705040A02060702" pitchFamily="82" charset="0"/>
+            </a:endParaRPr>
+          </a:p>
+        </p:txBody>
+      </p:sp>
+      <p:sp>
+        <p:nvSpPr>
+          <p:cNvPr id="1050" name="CuadroTexto 1049">
+            <a:extLst>
+              <a:ext uri="{FF2B5EF4-FFF2-40B4-BE49-F238E27FC236}">
+                <a16:creationId xmlns:a16="http://schemas.microsoft.com/office/drawing/2014/main" id="{9E644D19-2DB0-E525-9C70-74783E9397E8}"/>
+              </a:ext>
+            </a:extLst>
+          </p:cNvPr>
+          <p:cNvSpPr txBox="1"/>
+          <p:nvPr/>
+        </p:nvSpPr>
+        <p:spPr>
+          <a:xfrm rot="10800000">
+            <a:off x="7041478" y="5736380"/>
+            <a:ext cx="435935" cy="830997"/>
+          </a:xfrm>
+          <a:prstGeom prst="rect">
+            <a:avLst/>
+          </a:prstGeom>
+          <a:noFill/>
+        </p:spPr>
+        <p:txBody>
+          <a:bodyPr wrap="square" rtlCol="0">
+            <a:spAutoFit/>
+          </a:bodyPr>
+          <a:lstStyle/>
+          <a:p>
+            <a:r>
+              <a:rPr lang="es-ES" sz="4800" dirty="0">
+                <a:latin typeface="Algerian" panose="04020705040A02060702" pitchFamily="82" charset="0"/>
+              </a:rPr>
+              <a:t>?</a:t>
+            </a:r>
+            <a:endParaRPr lang="es-PE" sz="4800" dirty="0">
+              <a:latin typeface="Algerian" panose="04020705040A02060702" pitchFamily="82" charset="0"/>
+            </a:endParaRPr>
+          </a:p>
+        </p:txBody>
+      </p:sp>
+      <p:sp>
+        <p:nvSpPr>
+          <p:cNvPr id="1051" name="CuadroTexto 1050">
+            <a:extLst>
+              <a:ext uri="{FF2B5EF4-FFF2-40B4-BE49-F238E27FC236}">
+                <a16:creationId xmlns:a16="http://schemas.microsoft.com/office/drawing/2014/main" id="{A57EFC84-0783-8F28-BED3-44B15DF9B3B9}"/>
+              </a:ext>
+            </a:extLst>
+          </p:cNvPr>
+          <p:cNvSpPr txBox="1"/>
+          <p:nvPr/>
+        </p:nvSpPr>
+        <p:spPr>
+          <a:xfrm rot="10800000">
+            <a:off x="7906258" y="5708915"/>
+            <a:ext cx="435935" cy="830997"/>
+          </a:xfrm>
+          <a:prstGeom prst="rect">
+            <a:avLst/>
+          </a:prstGeom>
+          <a:noFill/>
+        </p:spPr>
+        <p:txBody>
+          <a:bodyPr wrap="square" rtlCol="0">
+            <a:spAutoFit/>
+          </a:bodyPr>
+          <a:lstStyle/>
+          <a:p>
+            <a:r>
+              <a:rPr lang="es-ES" sz="4800" dirty="0">
+                <a:latin typeface="Algerian" panose="04020705040A02060702" pitchFamily="82" charset="0"/>
+              </a:rPr>
+              <a:t>?</a:t>
+            </a:r>
+            <a:endParaRPr lang="es-PE" sz="4800" dirty="0">
+              <a:latin typeface="Algerian" panose="04020705040A02060702" pitchFamily="82" charset="0"/>
+            </a:endParaRPr>
+          </a:p>
+        </p:txBody>
+      </p:sp>
+      <p:sp>
+        <p:nvSpPr>
+          <p:cNvPr id="1052" name="CuadroTexto 1051">
+            <a:extLst>
+              <a:ext uri="{FF2B5EF4-FFF2-40B4-BE49-F238E27FC236}">
+                <a16:creationId xmlns:a16="http://schemas.microsoft.com/office/drawing/2014/main" id="{6CE5B122-9F7A-BAA8-E978-E406F76D611E}"/>
+              </a:ext>
+            </a:extLst>
+          </p:cNvPr>
+          <p:cNvSpPr txBox="1"/>
+          <p:nvPr/>
+        </p:nvSpPr>
+        <p:spPr>
+          <a:xfrm rot="10800000">
+            <a:off x="8802938" y="5708915"/>
+            <a:ext cx="435935" cy="830997"/>
+          </a:xfrm>
+          <a:prstGeom prst="rect">
+            <a:avLst/>
+          </a:prstGeom>
+          <a:noFill/>
+        </p:spPr>
+        <p:txBody>
+          <a:bodyPr wrap="square" rtlCol="0">
+            <a:spAutoFit/>
+          </a:bodyPr>
+          <a:lstStyle/>
+          <a:p>
+            <a:r>
+              <a:rPr lang="es-ES" sz="4800" dirty="0">
+                <a:latin typeface="Algerian" panose="04020705040A02060702" pitchFamily="82" charset="0"/>
+              </a:rPr>
+              <a:t>?</a:t>
+            </a:r>
+            <a:endParaRPr lang="es-PE" sz="4800" dirty="0">
+              <a:latin typeface="Algerian" panose="04020705040A02060702" pitchFamily="82" charset="0"/>
+            </a:endParaRPr>
+          </a:p>
+        </p:txBody>
+      </p:sp>
+      <p:sp>
+        <p:nvSpPr>
+          <p:cNvPr id="1053" name="CuadroTexto 1052">
+            <a:extLst>
+              <a:ext uri="{FF2B5EF4-FFF2-40B4-BE49-F238E27FC236}">
+                <a16:creationId xmlns:a16="http://schemas.microsoft.com/office/drawing/2014/main" id="{B94494AF-4D3E-2AEA-BEBF-5830997DAF97}"/>
+              </a:ext>
+            </a:extLst>
+          </p:cNvPr>
+          <p:cNvSpPr txBox="1"/>
+          <p:nvPr/>
+        </p:nvSpPr>
+        <p:spPr>
+          <a:xfrm rot="10800000">
+            <a:off x="9657880" y="5736380"/>
+            <a:ext cx="435935" cy="830997"/>
+          </a:xfrm>
+          <a:prstGeom prst="rect">
+            <a:avLst/>
+          </a:prstGeom>
+          <a:noFill/>
+        </p:spPr>
+        <p:txBody>
+          <a:bodyPr wrap="square" rtlCol="0">
+            <a:spAutoFit/>
+          </a:bodyPr>
+          <a:lstStyle/>
+          <a:p>
+            <a:r>
+              <a:rPr lang="es-ES" sz="4800" dirty="0">
+                <a:latin typeface="Algerian" panose="04020705040A02060702" pitchFamily="82" charset="0"/>
+              </a:rPr>
+              <a:t>?</a:t>
+            </a:r>
+            <a:endParaRPr lang="es-PE" sz="4800" dirty="0">
+              <a:latin typeface="Algerian" panose="04020705040A02060702" pitchFamily="82" charset="0"/>
+            </a:endParaRPr>
+          </a:p>
+        </p:txBody>
+      </p:sp>
+      <p:sp>
+        <p:nvSpPr>
+          <p:cNvPr id="1054" name="CuadroTexto 1053">
+            <a:extLst>
+              <a:ext uri="{FF2B5EF4-FFF2-40B4-BE49-F238E27FC236}">
+                <a16:creationId xmlns:a16="http://schemas.microsoft.com/office/drawing/2014/main" id="{4ADF9BCE-1CF5-544E-6653-A089FD0BD060}"/>
+              </a:ext>
+            </a:extLst>
+          </p:cNvPr>
+          <p:cNvSpPr txBox="1"/>
+          <p:nvPr/>
+        </p:nvSpPr>
+        <p:spPr>
+          <a:xfrm>
+            <a:off x="2535550" y="2962103"/>
+            <a:ext cx="435935" cy="830997"/>
+          </a:xfrm>
+          <a:prstGeom prst="rect">
+            <a:avLst/>
+          </a:prstGeom>
+          <a:noFill/>
+        </p:spPr>
+        <p:txBody>
+          <a:bodyPr wrap="square" rtlCol="0">
+            <a:spAutoFit/>
+          </a:bodyPr>
+          <a:lstStyle/>
+          <a:p>
+            <a:r>
+              <a:rPr lang="es-ES" sz="4800" dirty="0">
+                <a:latin typeface="Algerian" panose="04020705040A02060702" pitchFamily="82" charset="0"/>
+              </a:rPr>
+              <a:t>?</a:t>
+            </a:r>
+            <a:endParaRPr lang="es-PE" sz="4800" dirty="0">
+              <a:latin typeface="Algerian" panose="04020705040A02060702" pitchFamily="82" charset="0"/>
+            </a:endParaRPr>
+          </a:p>
+        </p:txBody>
+      </p:sp>
+      <p:sp>
+        <p:nvSpPr>
+          <p:cNvPr id="1055" name="CuadroTexto 1054">
+            <a:extLst>
+              <a:ext uri="{FF2B5EF4-FFF2-40B4-BE49-F238E27FC236}">
+                <a16:creationId xmlns:a16="http://schemas.microsoft.com/office/drawing/2014/main" id="{83D82D75-237D-5F78-A062-8F17B84DABDE}"/>
+              </a:ext>
+            </a:extLst>
+          </p:cNvPr>
+          <p:cNvSpPr txBox="1"/>
+          <p:nvPr/>
+        </p:nvSpPr>
+        <p:spPr>
+          <a:xfrm rot="10800000">
+            <a:off x="2272531" y="3073860"/>
+            <a:ext cx="435935" cy="830997"/>
+          </a:xfrm>
+          <a:prstGeom prst="rect">
+            <a:avLst/>
+          </a:prstGeom>
+          <a:noFill/>
+        </p:spPr>
+        <p:txBody>
+          <a:bodyPr wrap="square" rtlCol="0">
+            <a:spAutoFit/>
+          </a:bodyPr>
+          <a:lstStyle/>
+          <a:p>
+            <a:r>
+              <a:rPr lang="es-ES" sz="4800" dirty="0">
+                <a:latin typeface="Algerian" panose="04020705040A02060702" pitchFamily="82" charset="0"/>
+              </a:rPr>
+              <a:t>?</a:t>
+            </a:r>
+            <a:endParaRPr lang="es-PE" sz="4800" dirty="0">
+              <a:latin typeface="Algerian" panose="04020705040A02060702" pitchFamily="82" charset="0"/>
+            </a:endParaRPr>
+          </a:p>
+        </p:txBody>
+      </p:sp>
+      <p:sp>
+        <p:nvSpPr>
+          <p:cNvPr id="1056" name="CuadroTexto 1055">
+            <a:extLst>
+              <a:ext uri="{FF2B5EF4-FFF2-40B4-BE49-F238E27FC236}">
+                <a16:creationId xmlns:a16="http://schemas.microsoft.com/office/drawing/2014/main" id="{5A19D833-4550-3092-EE45-01016E296377}"/>
+              </a:ext>
+            </a:extLst>
+          </p:cNvPr>
+          <p:cNvSpPr txBox="1"/>
+          <p:nvPr/>
+        </p:nvSpPr>
+        <p:spPr>
+          <a:xfrm>
+            <a:off x="4153913" y="2962103"/>
+            <a:ext cx="435935" cy="830997"/>
+          </a:xfrm>
+          <a:prstGeom prst="rect">
+            <a:avLst/>
+          </a:prstGeom>
+          <a:noFill/>
+        </p:spPr>
+        <p:txBody>
+          <a:bodyPr wrap="square" rtlCol="0">
+            <a:spAutoFit/>
+          </a:bodyPr>
+          <a:lstStyle/>
+          <a:p>
+            <a:r>
+              <a:rPr lang="es-ES" sz="4800" dirty="0">
+                <a:latin typeface="Algerian" panose="04020705040A02060702" pitchFamily="82" charset="0"/>
+              </a:rPr>
+              <a:t>?</a:t>
+            </a:r>
+            <a:endParaRPr lang="es-PE" sz="4800" dirty="0">
+              <a:latin typeface="Algerian" panose="04020705040A02060702" pitchFamily="82" charset="0"/>
+            </a:endParaRPr>
+          </a:p>
+        </p:txBody>
+      </p:sp>
+      <p:sp>
+        <p:nvSpPr>
+          <p:cNvPr id="1057" name="CuadroTexto 1056">
+            <a:extLst>
+              <a:ext uri="{FF2B5EF4-FFF2-40B4-BE49-F238E27FC236}">
+                <a16:creationId xmlns:a16="http://schemas.microsoft.com/office/drawing/2014/main" id="{9D06CB1C-87DD-F7DB-93E4-CAA97558FDB5}"/>
+              </a:ext>
+            </a:extLst>
+          </p:cNvPr>
+          <p:cNvSpPr txBox="1"/>
+          <p:nvPr/>
+        </p:nvSpPr>
+        <p:spPr>
+          <a:xfrm rot="10800000">
+            <a:off x="3890894" y="3073860"/>
+            <a:ext cx="435935" cy="830997"/>
+          </a:xfrm>
+          <a:prstGeom prst="rect">
+            <a:avLst/>
+          </a:prstGeom>
+          <a:noFill/>
+        </p:spPr>
+        <p:txBody>
+          <a:bodyPr wrap="square" rtlCol="0">
+            <a:spAutoFit/>
+          </a:bodyPr>
+          <a:lstStyle/>
+          <a:p>
+            <a:r>
+              <a:rPr lang="es-ES" sz="4800" dirty="0">
+                <a:latin typeface="Algerian" panose="04020705040A02060702" pitchFamily="82" charset="0"/>
+              </a:rPr>
+              <a:t>?</a:t>
+            </a:r>
+            <a:endParaRPr lang="es-PE" sz="4800" dirty="0">
+              <a:latin typeface="Algerian" panose="04020705040A02060702" pitchFamily="82" charset="0"/>
+            </a:endParaRPr>
+          </a:p>
+        </p:txBody>
+      </p:sp>
+      <p:sp>
+        <p:nvSpPr>
+          <p:cNvPr id="1058" name="CuadroTexto 1057">
+            <a:extLst>
+              <a:ext uri="{FF2B5EF4-FFF2-40B4-BE49-F238E27FC236}">
+                <a16:creationId xmlns:a16="http://schemas.microsoft.com/office/drawing/2014/main" id="{530B16A7-71A9-8CE2-6129-C9003EC9791C}"/>
+              </a:ext>
+            </a:extLst>
+          </p:cNvPr>
+          <p:cNvSpPr txBox="1"/>
+          <p:nvPr/>
+        </p:nvSpPr>
+        <p:spPr>
+          <a:xfrm>
+            <a:off x="5925190" y="2836050"/>
+            <a:ext cx="435935" cy="830997"/>
+          </a:xfrm>
+          <a:prstGeom prst="rect">
+            <a:avLst/>
+          </a:prstGeom>
+          <a:noFill/>
+        </p:spPr>
+        <p:txBody>
+          <a:bodyPr wrap="square" rtlCol="0">
+            <a:spAutoFit/>
+          </a:bodyPr>
+          <a:lstStyle/>
+          <a:p>
+            <a:r>
+              <a:rPr lang="es-ES" sz="4800" dirty="0">
+                <a:latin typeface="Algerian" panose="04020705040A02060702" pitchFamily="82" charset="0"/>
+              </a:rPr>
+              <a:t>?</a:t>
+            </a:r>
+            <a:endParaRPr lang="es-PE" sz="4800" dirty="0">
+              <a:latin typeface="Algerian" panose="04020705040A02060702" pitchFamily="82" charset="0"/>
+            </a:endParaRPr>
+          </a:p>
+        </p:txBody>
+      </p:sp>
+      <p:sp>
+        <p:nvSpPr>
+          <p:cNvPr id="1059" name="CuadroTexto 1058">
+            <a:extLst>
+              <a:ext uri="{FF2B5EF4-FFF2-40B4-BE49-F238E27FC236}">
+                <a16:creationId xmlns:a16="http://schemas.microsoft.com/office/drawing/2014/main" id="{821EAC98-A3FF-63BE-81CB-96B92795E86F}"/>
+              </a:ext>
+            </a:extLst>
+          </p:cNvPr>
+          <p:cNvSpPr txBox="1"/>
+          <p:nvPr/>
+        </p:nvSpPr>
+        <p:spPr>
+          <a:xfrm rot="10800000">
+            <a:off x="5662171" y="2947807"/>
+            <a:ext cx="435935" cy="830997"/>
+          </a:xfrm>
+          <a:prstGeom prst="rect">
+            <a:avLst/>
+          </a:prstGeom>
+          <a:noFill/>
+        </p:spPr>
+        <p:txBody>
+          <a:bodyPr wrap="square" rtlCol="0">
+            <a:spAutoFit/>
+          </a:bodyPr>
+          <a:lstStyle/>
+          <a:p>
+            <a:r>
+              <a:rPr lang="es-ES" sz="4800" dirty="0">
+                <a:latin typeface="Algerian" panose="04020705040A02060702" pitchFamily="82" charset="0"/>
+              </a:rPr>
+              <a:t>?</a:t>
+            </a:r>
+            <a:endParaRPr lang="es-PE" sz="4800" dirty="0">
+              <a:latin typeface="Algerian" panose="04020705040A02060702" pitchFamily="82" charset="0"/>
+            </a:endParaRPr>
+          </a:p>
+        </p:txBody>
+      </p:sp>
+      <p:sp>
+        <p:nvSpPr>
+          <p:cNvPr id="1060" name="CuadroTexto 1059">
+            <a:extLst>
+              <a:ext uri="{FF2B5EF4-FFF2-40B4-BE49-F238E27FC236}">
+                <a16:creationId xmlns:a16="http://schemas.microsoft.com/office/drawing/2014/main" id="{460CF81E-90A2-EAB9-2EA3-37CAFEA11B3B}"/>
+              </a:ext>
+            </a:extLst>
+          </p:cNvPr>
+          <p:cNvSpPr txBox="1"/>
+          <p:nvPr/>
+        </p:nvSpPr>
+        <p:spPr>
+          <a:xfrm>
+            <a:off x="7656390" y="3001232"/>
+            <a:ext cx="435935" cy="830997"/>
+          </a:xfrm>
+          <a:prstGeom prst="rect">
+            <a:avLst/>
+          </a:prstGeom>
+          <a:noFill/>
+        </p:spPr>
+        <p:txBody>
+          <a:bodyPr wrap="square" rtlCol="0">
+            <a:spAutoFit/>
+          </a:bodyPr>
+          <a:lstStyle/>
+          <a:p>
+            <a:r>
+              <a:rPr lang="es-ES" sz="4800" dirty="0">
+                <a:latin typeface="Algerian" panose="04020705040A02060702" pitchFamily="82" charset="0"/>
+              </a:rPr>
+              <a:t>?</a:t>
+            </a:r>
+            <a:endParaRPr lang="es-PE" sz="4800" dirty="0">
+              <a:latin typeface="Algerian" panose="04020705040A02060702" pitchFamily="82" charset="0"/>
+            </a:endParaRPr>
+          </a:p>
+        </p:txBody>
+      </p:sp>
+      <p:sp>
+        <p:nvSpPr>
+          <p:cNvPr id="1061" name="CuadroTexto 1060">
+            <a:extLst>
+              <a:ext uri="{FF2B5EF4-FFF2-40B4-BE49-F238E27FC236}">
+                <a16:creationId xmlns:a16="http://schemas.microsoft.com/office/drawing/2014/main" id="{1EAA96E8-F75A-5A7F-4568-553A266142F2}"/>
+              </a:ext>
+            </a:extLst>
+          </p:cNvPr>
+          <p:cNvSpPr txBox="1"/>
+          <p:nvPr/>
+        </p:nvSpPr>
+        <p:spPr>
+          <a:xfrm rot="10800000">
+            <a:off x="7393371" y="3112989"/>
+            <a:ext cx="435935" cy="830997"/>
+          </a:xfrm>
+          <a:prstGeom prst="rect">
+            <a:avLst/>
+          </a:prstGeom>
+          <a:noFill/>
+        </p:spPr>
+        <p:txBody>
+          <a:bodyPr wrap="square" rtlCol="0">
+            <a:spAutoFit/>
+          </a:bodyPr>
+          <a:lstStyle/>
+          <a:p>
+            <a:r>
+              <a:rPr lang="es-ES" sz="4800" dirty="0">
+                <a:latin typeface="Algerian" panose="04020705040A02060702" pitchFamily="82" charset="0"/>
+              </a:rPr>
+              <a:t>?</a:t>
+            </a:r>
+            <a:endParaRPr lang="es-PE" sz="4800" dirty="0">
+              <a:latin typeface="Algerian" panose="04020705040A02060702" pitchFamily="82" charset="0"/>
+            </a:endParaRPr>
+          </a:p>
+        </p:txBody>
+      </p:sp>
+      <p:sp>
+        <p:nvSpPr>
+          <p:cNvPr id="1062" name="CuadroTexto 1061">
+            <a:extLst>
+              <a:ext uri="{FF2B5EF4-FFF2-40B4-BE49-F238E27FC236}">
+                <a16:creationId xmlns:a16="http://schemas.microsoft.com/office/drawing/2014/main" id="{A6E4BE43-95EB-E4D8-3DC6-8A251EA76729}"/>
+              </a:ext>
+            </a:extLst>
+          </p:cNvPr>
+          <p:cNvSpPr txBox="1"/>
+          <p:nvPr/>
+        </p:nvSpPr>
+        <p:spPr>
+          <a:xfrm>
+            <a:off x="9291084" y="2970019"/>
+            <a:ext cx="435935" cy="830997"/>
+          </a:xfrm>
+          <a:prstGeom prst="rect">
+            <a:avLst/>
+          </a:prstGeom>
+          <a:noFill/>
+        </p:spPr>
+        <p:txBody>
+          <a:bodyPr wrap="square" rtlCol="0">
+            <a:spAutoFit/>
+          </a:bodyPr>
+          <a:lstStyle/>
+          <a:p>
+            <a:r>
+              <a:rPr lang="es-ES" sz="4800" dirty="0">
+                <a:latin typeface="Algerian" panose="04020705040A02060702" pitchFamily="82" charset="0"/>
+              </a:rPr>
+              <a:t>?</a:t>
+            </a:r>
+            <a:endParaRPr lang="es-PE" sz="4800" dirty="0">
+              <a:latin typeface="Algerian" panose="04020705040A02060702" pitchFamily="82" charset="0"/>
+            </a:endParaRPr>
+          </a:p>
+        </p:txBody>
+      </p:sp>
+      <p:sp>
+        <p:nvSpPr>
+          <p:cNvPr id="1063" name="CuadroTexto 1062">
+            <a:extLst>
+              <a:ext uri="{FF2B5EF4-FFF2-40B4-BE49-F238E27FC236}">
+                <a16:creationId xmlns:a16="http://schemas.microsoft.com/office/drawing/2014/main" id="{42FC11FC-8147-87B8-0C5C-338C17ECF056}"/>
+              </a:ext>
+            </a:extLst>
+          </p:cNvPr>
+          <p:cNvSpPr txBox="1"/>
+          <p:nvPr/>
+        </p:nvSpPr>
+        <p:spPr>
+          <a:xfrm rot="10800000">
+            <a:off x="9028065" y="3081776"/>
+            <a:ext cx="435935" cy="830997"/>
+          </a:xfrm>
+          <a:prstGeom prst="rect">
+            <a:avLst/>
+          </a:prstGeom>
+          <a:noFill/>
+        </p:spPr>
+        <p:txBody>
+          <a:bodyPr wrap="square" rtlCol="0">
+            <a:spAutoFit/>
+          </a:bodyPr>
+          <a:lstStyle/>
+          <a:p>
+            <a:r>
+              <a:rPr lang="es-ES" sz="4800" dirty="0">
+                <a:latin typeface="Algerian" panose="04020705040A02060702" pitchFamily="82" charset="0"/>
+              </a:rPr>
+              <a:t>?</a:t>
+            </a:r>
+            <a:endParaRPr lang="es-PE" sz="4800" dirty="0">
+              <a:latin typeface="Algerian" panose="04020705040A02060702" pitchFamily="82" charset="0"/>
+            </a:endParaRPr>
+          </a:p>
+        </p:txBody>
+      </p:sp>
+      <p:cxnSp>
+        <p:nvCxnSpPr>
+          <p:cNvPr id="1071" name="Conector recto de flecha 1070">
+            <a:extLst>
+              <a:ext uri="{FF2B5EF4-FFF2-40B4-BE49-F238E27FC236}">
+                <a16:creationId xmlns:a16="http://schemas.microsoft.com/office/drawing/2014/main" id="{1AC4553D-4E51-71E5-B8BA-0012EB436C10}"/>
+              </a:ext>
+            </a:extLst>
+          </p:cNvPr>
+          <p:cNvCxnSpPr>
+            <a:cxnSpLocks/>
+          </p:cNvCxnSpPr>
+          <p:nvPr/>
+        </p:nvCxnSpPr>
+        <p:spPr>
+          <a:xfrm>
+            <a:off x="5999513" y="1350335"/>
+            <a:ext cx="0" cy="1296363"/>
+          </a:xfrm>
+          <a:prstGeom prst="straightConnector1">
+            <a:avLst/>
+          </a:prstGeom>
+          <a:ln w="76200">
+            <a:solidFill>
+              <a:schemeClr val="tx1"/>
+            </a:solidFill>
+            <a:tailEnd type="triangle"/>
+          </a:ln>
+        </p:spPr>
+        <p:style>
+          <a:lnRef idx="1">
+            <a:schemeClr val="accent1"/>
+          </a:lnRef>
+          <a:fillRef idx="0">
+            <a:schemeClr val="accent1"/>
+          </a:fillRef>
+          <a:effectRef idx="0">
+            <a:schemeClr val="accent1"/>
+          </a:effectRef>
+          <a:fontRef idx="minor">
+            <a:schemeClr val="tx1"/>
+          </a:fontRef>
+        </p:style>
+      </p:cxnSp>
+      <p:sp>
+        <p:nvSpPr>
+          <p:cNvPr id="1064" name="CuadroTexto 1063">
+            <a:extLst>
+              <a:ext uri="{FF2B5EF4-FFF2-40B4-BE49-F238E27FC236}">
+                <a16:creationId xmlns:a16="http://schemas.microsoft.com/office/drawing/2014/main" id="{1DBD3168-7A9D-EA1C-ECD1-F91AE8B09528}"/>
+              </a:ext>
+            </a:extLst>
+          </p:cNvPr>
+          <p:cNvSpPr txBox="1"/>
+          <p:nvPr/>
+        </p:nvSpPr>
+        <p:spPr>
+          <a:xfrm>
+            <a:off x="4496721" y="1518652"/>
+            <a:ext cx="3005584" cy="830997"/>
+          </a:xfrm>
+          <a:prstGeom prst="rect">
+            <a:avLst/>
+          </a:prstGeom>
+          <a:solidFill>
+            <a:srgbClr val="CFCFCF"/>
+          </a:solidFill>
+        </p:spPr>
+        <p:txBody>
+          <a:bodyPr wrap="square" rtlCol="0">
+            <a:spAutoFit/>
+          </a:bodyPr>
+          <a:lstStyle/>
+          <a:p>
+            <a:pPr algn="ctr"/>
+            <a:r>
+              <a:rPr lang="es-ES" sz="4800" dirty="0">
+                <a:latin typeface="Bahnschrift SemiBold Condensed" panose="020B0502040204020203" pitchFamily="34" charset="0"/>
+              </a:rPr>
+              <a:t>ALGORITMOS</a:t>
+            </a:r>
+            <a:endParaRPr lang="es-PE" sz="4800" dirty="0">
+              <a:latin typeface="Bahnschrift SemiBold Condensed" panose="020B0502040204020203" pitchFamily="34" charset="0"/>
+            </a:endParaRPr>
+          </a:p>
+        </p:txBody>
+      </p:sp>
+      <p:cxnSp>
+        <p:nvCxnSpPr>
+          <p:cNvPr id="1072" name="Conector recto de flecha 1071">
+            <a:extLst>
+              <a:ext uri="{FF2B5EF4-FFF2-40B4-BE49-F238E27FC236}">
+                <a16:creationId xmlns:a16="http://schemas.microsoft.com/office/drawing/2014/main" id="{E1A85E9E-04A4-2E91-50E2-C9779DF7A0A1}"/>
+              </a:ext>
+            </a:extLst>
+          </p:cNvPr>
+          <p:cNvCxnSpPr>
+            <a:cxnSpLocks/>
+          </p:cNvCxnSpPr>
+          <p:nvPr/>
+        </p:nvCxnSpPr>
+        <p:spPr>
+          <a:xfrm flipH="1">
+            <a:off x="5989671" y="3933023"/>
+            <a:ext cx="9842" cy="1595907"/>
+          </a:xfrm>
+          <a:prstGeom prst="straightConnector1">
+            <a:avLst/>
+          </a:prstGeom>
+          <a:ln w="76200">
+            <a:solidFill>
+              <a:schemeClr val="tx1"/>
+            </a:solidFill>
+            <a:tailEnd type="triangle"/>
+          </a:ln>
+        </p:spPr>
+        <p:style>
+          <a:lnRef idx="1">
+            <a:schemeClr val="accent1"/>
+          </a:lnRef>
+          <a:fillRef idx="0">
+            <a:schemeClr val="accent1"/>
+          </a:fillRef>
+          <a:effectRef idx="0">
+            <a:schemeClr val="accent1"/>
+          </a:effectRef>
+          <a:fontRef idx="minor">
+            <a:schemeClr val="tx1"/>
+          </a:fontRef>
+        </p:style>
+      </p:cxnSp>
+      <p:sp>
+        <p:nvSpPr>
+          <p:cNvPr id="1065" name="CuadroTexto 1064">
+            <a:extLst>
+              <a:ext uri="{FF2B5EF4-FFF2-40B4-BE49-F238E27FC236}">
+                <a16:creationId xmlns:a16="http://schemas.microsoft.com/office/drawing/2014/main" id="{CFAF617C-19EF-CB1F-8BC1-3BDB7B348A59}"/>
+              </a:ext>
+            </a:extLst>
+          </p:cNvPr>
+          <p:cNvSpPr txBox="1"/>
+          <p:nvPr/>
+        </p:nvSpPr>
+        <p:spPr>
+          <a:xfrm>
+            <a:off x="4515416" y="4374769"/>
+            <a:ext cx="3031136" cy="769441"/>
+          </a:xfrm>
+          <a:prstGeom prst="rect">
+            <a:avLst/>
+          </a:prstGeom>
+          <a:solidFill>
+            <a:srgbClr val="CFCFCF"/>
+          </a:solidFill>
+        </p:spPr>
+        <p:txBody>
+          <a:bodyPr wrap="square" rtlCol="0">
+            <a:spAutoFit/>
+          </a:bodyPr>
+          <a:lstStyle/>
+          <a:p>
+            <a:pPr algn="ctr"/>
+            <a:r>
+              <a:rPr lang="es-ES" sz="4400" dirty="0">
+                <a:latin typeface="Bahnschrift SemiBold Condensed" panose="020B0502040204020203" pitchFamily="34" charset="0"/>
+              </a:rPr>
+              <a:t>ORDENAMIENTO</a:t>
+            </a:r>
+            <a:endParaRPr lang="es-PE" sz="4400" dirty="0">
+              <a:latin typeface="Bahnschrift SemiBold Condensed" panose="020B0502040204020203" pitchFamily="34" charset="0"/>
+            </a:endParaRPr>
+          </a:p>
+        </p:txBody>
+      </p:sp>
+      <p:sp>
+        <p:nvSpPr>
+          <p:cNvPr id="1077" name="CuadroTexto 1076">
+            <a:extLst>
+              <a:ext uri="{FF2B5EF4-FFF2-40B4-BE49-F238E27FC236}">
+                <a16:creationId xmlns:a16="http://schemas.microsoft.com/office/drawing/2014/main" id="{57909F44-516A-E156-39AC-35B72B4272C3}"/>
+              </a:ext>
+            </a:extLst>
+          </p:cNvPr>
+          <p:cNvSpPr txBox="1"/>
+          <p:nvPr/>
+        </p:nvSpPr>
+        <p:spPr>
+          <a:xfrm>
+            <a:off x="1950715" y="2454493"/>
+            <a:ext cx="1321849" cy="369332"/>
+          </a:xfrm>
+          <a:prstGeom prst="rect">
+            <a:avLst/>
+          </a:prstGeom>
+          <a:noFill/>
+        </p:spPr>
+        <p:txBody>
+          <a:bodyPr wrap="square" rtlCol="0">
+            <a:spAutoFit/>
+          </a:bodyPr>
+          <a:lstStyle/>
+          <a:p>
+            <a:pPr algn="ctr"/>
+            <a:r>
+              <a:rPr lang="es-ES" dirty="0">
+                <a:latin typeface="Bahnschrift SemiBold Condensed" panose="020B0502040204020203" pitchFamily="34" charset="0"/>
+              </a:rPr>
+              <a:t>Paolo V</a:t>
+            </a:r>
+            <a:r>
+              <a:rPr lang="es-PE" dirty="0">
+                <a:latin typeface="Bahnschrift SemiBold Condensed" panose="020B0502040204020203" pitchFamily="34" charset="0"/>
+              </a:rPr>
+              <a:t>ásquez</a:t>
+            </a:r>
+          </a:p>
+        </p:txBody>
+      </p:sp>
+      <p:sp>
+        <p:nvSpPr>
+          <p:cNvPr id="1079" name="CuadroTexto 1078">
+            <a:extLst>
+              <a:ext uri="{FF2B5EF4-FFF2-40B4-BE49-F238E27FC236}">
+                <a16:creationId xmlns:a16="http://schemas.microsoft.com/office/drawing/2014/main" id="{02FC9753-277B-7A27-12CA-141B9A912812}"/>
+              </a:ext>
+            </a:extLst>
+          </p:cNvPr>
+          <p:cNvSpPr txBox="1"/>
+          <p:nvPr/>
+        </p:nvSpPr>
+        <p:spPr>
+          <a:xfrm>
+            <a:off x="8596441" y="2437591"/>
+            <a:ext cx="1566513" cy="369332"/>
+          </a:xfrm>
+          <a:prstGeom prst="rect">
+            <a:avLst/>
+          </a:prstGeom>
+          <a:noFill/>
+        </p:spPr>
+        <p:txBody>
+          <a:bodyPr wrap="square" rtlCol="0">
+            <a:spAutoFit/>
+          </a:bodyPr>
+          <a:lstStyle/>
+          <a:p>
+            <a:pPr algn="ctr"/>
+            <a:r>
+              <a:rPr lang="es-ES" dirty="0">
+                <a:latin typeface="Bahnschrift SemiBold Condensed" panose="020B0502040204020203" pitchFamily="34" charset="0"/>
+              </a:rPr>
+              <a:t>Gabriel Espinoza</a:t>
+            </a:r>
+            <a:endParaRPr lang="es-PE" dirty="0">
+              <a:latin typeface="Bahnschrift SemiBold Condensed" panose="020B0502040204020203" pitchFamily="34" charset="0"/>
+            </a:endParaRPr>
+          </a:p>
+        </p:txBody>
+      </p:sp>
+      <p:sp>
+        <p:nvSpPr>
+          <p:cNvPr id="1081" name="CuadroTexto 1080">
+            <a:extLst>
+              <a:ext uri="{FF2B5EF4-FFF2-40B4-BE49-F238E27FC236}">
+                <a16:creationId xmlns:a16="http://schemas.microsoft.com/office/drawing/2014/main" id="{FF234624-D6CE-7245-4202-601FF2796F4F}"/>
+              </a:ext>
+            </a:extLst>
+          </p:cNvPr>
+          <p:cNvSpPr txBox="1"/>
+          <p:nvPr/>
+        </p:nvSpPr>
+        <p:spPr>
+          <a:xfrm>
+            <a:off x="5338588" y="4151116"/>
+            <a:ext cx="1321849" cy="369332"/>
+          </a:xfrm>
+          <a:prstGeom prst="rect">
+            <a:avLst/>
+          </a:prstGeom>
+          <a:solidFill>
+            <a:srgbClr val="CFCFCF"/>
+          </a:solidFill>
+        </p:spPr>
+        <p:txBody>
+          <a:bodyPr wrap="square" rtlCol="0">
+            <a:spAutoFit/>
+          </a:bodyPr>
+          <a:lstStyle/>
+          <a:p>
+            <a:pPr algn="ctr"/>
+            <a:r>
+              <a:rPr lang="es-ES" dirty="0">
+                <a:latin typeface="Bahnschrift SemiBold Condensed" panose="020B0502040204020203" pitchFamily="34" charset="0"/>
+              </a:rPr>
+              <a:t>Kevin Huaman</a:t>
+            </a:r>
+            <a:endParaRPr lang="es-PE" dirty="0">
+              <a:latin typeface="Bahnschrift SemiBold Condensed" panose="020B0502040204020203" pitchFamily="34" charset="0"/>
+            </a:endParaRPr>
+          </a:p>
+        </p:txBody>
+      </p:sp>
+    </p:spTree>
+    <p:extLst>
+      <p:ext uri="{BB962C8B-B14F-4D97-AF65-F5344CB8AC3E}">
+        <p14:creationId xmlns:p14="http://schemas.microsoft.com/office/powerpoint/2010/main" val="247917414"/>
       </p:ext>
     </p:extLst>
   </p:cSld>

--- a/Huaman_Espinoza_Vasquez_Algortimos_Ordenacion.pptx
+++ b/Huaman_Espinoza_Vasquez_Algortimos_Ordenacion.pptx
@@ -11,8 +11,9 @@
     <p:sldId id="259" r:id="rId5"/>
     <p:sldId id="261" r:id="rId6"/>
     <p:sldId id="262" r:id="rId7"/>
-    <p:sldId id="263" r:id="rId8"/>
-    <p:sldId id="260" r:id="rId9"/>
+    <p:sldId id="264" r:id="rId8"/>
+    <p:sldId id="263" r:id="rId9"/>
+    <p:sldId id="260" r:id="rId10"/>
   </p:sldIdLst>
   <p:sldSz cx="12192000" cy="6858000"/>
   <p:notesSz cx="6858000" cy="9144000"/>
@@ -6669,6 +6670,126 @@
           <p:cNvPr id="4" name="CuadroTexto 3">
             <a:extLst>
               <a:ext uri="{FF2B5EF4-FFF2-40B4-BE49-F238E27FC236}">
+                <a16:creationId xmlns:a16="http://schemas.microsoft.com/office/drawing/2014/main" id="{FCDDBA12-E381-6AF6-061A-AF421941E311}"/>
+              </a:ext>
+            </a:extLst>
+          </p:cNvPr>
+          <p:cNvSpPr txBox="1"/>
+          <p:nvPr/>
+        </p:nvSpPr>
+        <p:spPr>
+          <a:xfrm>
+            <a:off x="4388258" y="1825211"/>
+            <a:ext cx="3415484" cy="1107996"/>
+          </a:xfrm>
+          <a:prstGeom prst="rect">
+            <a:avLst/>
+          </a:prstGeom>
+          <a:solidFill>
+            <a:srgbClr val="CFCFCF"/>
+          </a:solidFill>
+        </p:spPr>
+        <p:txBody>
+          <a:bodyPr wrap="square" rtlCol="0">
+            <a:spAutoFit/>
+          </a:bodyPr>
+          <a:lstStyle/>
+          <a:p>
+            <a:pPr algn="ctr"/>
+            <a:r>
+              <a:rPr lang="es-ES" sz="6600" dirty="0">
+                <a:latin typeface="Bahnschrift SemiBold Condensed" panose="020B0502040204020203" pitchFamily="34" charset="0"/>
+              </a:rPr>
+              <a:t>PREGUNTAS</a:t>
+            </a:r>
+            <a:endParaRPr lang="es-PE" sz="6600" dirty="0">
+              <a:latin typeface="Bahnschrift SemiBold Condensed" panose="020B0502040204020203" pitchFamily="34" charset="0"/>
+            </a:endParaRPr>
+          </a:p>
+        </p:txBody>
+      </p:sp>
+      <p:pic>
+        <p:nvPicPr>
+          <p:cNvPr id="1026" name="Picture 2" descr="Tipos de pregunta - Appgree">
+            <a:extLst>
+              <a:ext uri="{FF2B5EF4-FFF2-40B4-BE49-F238E27FC236}">
+                <a16:creationId xmlns:a16="http://schemas.microsoft.com/office/drawing/2014/main" id="{613673AF-421F-0D0B-E47C-2A21537D0109}"/>
+              </a:ext>
+            </a:extLst>
+          </p:cNvPr>
+          <p:cNvPicPr>
+            <a:picLocks noChangeAspect="1" noChangeArrowheads="1"/>
+          </p:cNvPicPr>
+          <p:nvPr/>
+        </p:nvPicPr>
+        <p:blipFill>
+          <a:blip r:embed="rId2">
+            <a:extLst>
+              <a:ext uri="{28A0092B-C50C-407E-A947-70E740481C1C}">
+                <a14:useLocalDpi xmlns:a14="http://schemas.microsoft.com/office/drawing/2010/main" val="0"/>
+              </a:ext>
+            </a:extLst>
+          </a:blip>
+          <a:srcRect/>
+          <a:stretch>
+            <a:fillRect/>
+          </a:stretch>
+        </p:blipFill>
+        <p:spPr bwMode="auto">
+          <a:xfrm>
+            <a:off x="4667250" y="2643717"/>
+            <a:ext cx="2857500" cy="2857500"/>
+          </a:xfrm>
+          <a:prstGeom prst="rect">
+            <a:avLst/>
+          </a:prstGeom>
+          <a:noFill/>
+          <a:extLst>
+            <a:ext uri="{909E8E84-426E-40DD-AFC4-6F175D3DCCD1}">
+              <a14:hiddenFill xmlns:a14="http://schemas.microsoft.com/office/drawing/2010/main">
+                <a:solidFill>
+                  <a:srgbClr val="FFFFFF"/>
+                </a:solidFill>
+              </a14:hiddenFill>
+            </a:ext>
+          </a:extLst>
+        </p:spPr>
+      </p:pic>
+    </p:spTree>
+    <p:extLst>
+      <p:ext uri="{BB962C8B-B14F-4D97-AF65-F5344CB8AC3E}">
+        <p14:creationId xmlns:p14="http://schemas.microsoft.com/office/powerpoint/2010/main" val="57818267"/>
+      </p:ext>
+    </p:extLst>
+  </p:cSld>
+  <p:clrMapOvr>
+    <a:masterClrMapping/>
+  </p:clrMapOvr>
+</p:sld>
+</file>
+
+<file path=ppt/slides/slide8.xml><?xml version="1.0" encoding="utf-8"?>
+<p:sld xmlns:a="http://schemas.openxmlformats.org/drawingml/2006/main" xmlns:r="http://schemas.openxmlformats.org/officeDocument/2006/relationships" xmlns:p="http://schemas.openxmlformats.org/presentationml/2006/main">
+  <p:cSld>
+    <p:spTree>
+      <p:nvGrpSpPr>
+        <p:cNvPr id="1" name=""/>
+        <p:cNvGrpSpPr/>
+        <p:nvPr/>
+      </p:nvGrpSpPr>
+      <p:grpSpPr>
+        <a:xfrm>
+          <a:off x="0" y="0"/>
+          <a:ext cx="0" cy="0"/>
+          <a:chOff x="0" y="0"/>
+          <a:chExt cx="0" cy="0"/>
+        </a:xfrm>
+      </p:grpSpPr>
+      <p:sp>
+        <p:nvSpPr>
+          <p:cNvPr id="4" name="CuadroTexto 3">
+            <a:extLst>
+              <a:ext uri="{FF2B5EF4-FFF2-40B4-BE49-F238E27FC236}">
                 <a16:creationId xmlns:a16="http://schemas.microsoft.com/office/drawing/2014/main" id="{21581FFF-AA69-C80B-48B1-B8AAD732681D}"/>
               </a:ext>
             </a:extLst>
@@ -6767,7 +6888,7 @@
 </p:sld>
 </file>
 
-<file path=ppt/slides/slide8.xml><?xml version="1.0" encoding="utf-8"?>
+<file path=ppt/slides/slide9.xml><?xml version="1.0" encoding="utf-8"?>
 <p:sld xmlns:a="http://schemas.openxmlformats.org/drawingml/2006/main" xmlns:r="http://schemas.openxmlformats.org/officeDocument/2006/relationships" xmlns:p="http://schemas.openxmlformats.org/presentationml/2006/main">
   <p:cSld>
     <p:spTree>
